--- a/Week7/Week_7.pptx
+++ b/Week7/Week_7.pptx
@@ -228,7 +228,7 @@
           <a:p>
             <a:fld id="{95C4CF2D-6872-4730-8D02-61A93A3F5357}" type="datetimeFigureOut">
               <a:rPr lang="en-GB" smtClean="0"/>
-              <a:t>30/01/2024</a:t>
+              <a:t>22/02/2024</a:t>
             </a:fld>
             <a:endParaRPr lang="en-GB"/>
           </a:p>
@@ -635,17 +635,11 @@
           <a:p>
             <a:r>
               <a:rPr lang="en-GB" dirty="0"/>
-              <a:t>This slide is there to illustrate what the Chi-squared distribution looks like and</a:t>
+              <a:t>This</a:t>
             </a:r>
             <a:r>
               <a:rPr lang="en-GB" baseline="0" dirty="0"/>
-              <a:t> that as the degrees of freedom increases (i.e. the amount of independent pieces of information we have from a study) then the more the wider the distribution is spread and becomes flatter.</a:t>
-            </a:r>
-          </a:p>
-          <a:p>
-            <a:r>
-              <a:rPr lang="en-GB" baseline="0" dirty="0"/>
-              <a:t>Degrees of freedom = 2 for titanic</a:t>
+              <a:t> is an optional slide if your session allowed time for this to be included and shows how the chi-squared test statistic compares the observed and expected.</a:t>
             </a:r>
             <a:endParaRPr lang="en-GB" dirty="0"/>
           </a:p>
@@ -669,7 +663,7 @@
             <a:fld id="{E98A5C98-5A61-4815-8FF6-58A01FAC9068}" type="slidenum">
               <a:rPr lang="en-GB" smtClean="0"/>
               <a:pPr/>
-              <a:t>24</a:t>
+              <a:t>22</a:t>
             </a:fld>
             <a:endParaRPr lang="en-GB"/>
           </a:p>
@@ -678,7 +672,7 @@
     </p:spTree>
     <p:extLst>
       <p:ext uri="{BB962C8B-B14F-4D97-AF65-F5344CB8AC3E}">
-        <p14:creationId xmlns:p14="http://schemas.microsoft.com/office/powerpoint/2010/main" val="3327711855"/>
+        <p14:creationId xmlns:p14="http://schemas.microsoft.com/office/powerpoint/2010/main" val="520993030"/>
       </p:ext>
     </p:extLst>
   </p:cSld>
@@ -707,21 +701,19 @@
       </p:grpSpPr>
       <p:sp>
         <p:nvSpPr>
-          <p:cNvPr id="563202" name="Slide Image Placeholder 1"/>
+          <p:cNvPr id="2" name="Slide Image Placeholder 1"/>
           <p:cNvSpPr>
-            <a:spLocks noGrp="1" noRot="1" noChangeAspect="1" noTextEdit="1"/>
+            <a:spLocks noGrp="1" noRot="1" noChangeAspect="1"/>
           </p:cNvSpPr>
           <p:nvPr>
             <p:ph type="sldImg"/>
           </p:nvPr>
         </p:nvSpPr>
-        <p:spPr>
-          <a:ln/>
-        </p:spPr>
-      </p:sp>
-      <p:sp>
-        <p:nvSpPr>
-          <p:cNvPr id="563203" name="Notes Placeholder 2"/>
+        <p:spPr/>
+      </p:sp>
+      <p:sp>
+        <p:nvSpPr>
+          <p:cNvPr id="3" name="Notes Placeholder 2"/>
           <p:cNvSpPr>
             <a:spLocks noGrp="1"/>
           </p:cNvSpPr>
@@ -729,40 +721,18 @@
             <p:ph type="body" idx="1"/>
           </p:nvPr>
         </p:nvSpPr>
-        <p:spPr>
-          <a:noFill/>
-          <a:ln/>
-          <a:extLst>
-            <a:ext uri="{909E8E84-426E-40DD-AFC4-6F175D3DCCD1}">
-              <a14:hiddenFill xmlns:a14="http://schemas.microsoft.com/office/drawing/2010/main">
-                <a:solidFill>
-                  <a:srgbClr val="FFFFFF"/>
-                </a:solidFill>
-              </a14:hiddenFill>
-            </a:ext>
-            <a:ext uri="{91240B29-F687-4F45-9708-019B960494DF}">
-              <a14:hiddenLine xmlns:a14="http://schemas.microsoft.com/office/drawing/2010/main" w="9525">
-                <a:solidFill>
-                  <a:srgbClr val="000000"/>
-                </a:solidFill>
-                <a:miter lim="800000"/>
-                <a:headEnd/>
-                <a:tailEnd/>
-              </a14:hiddenLine>
-            </a:ext>
-          </a:extLst>
-        </p:spPr>
+        <p:spPr/>
         <p:txBody>
           <a:bodyPr/>
           <a:lstStyle/>
           <a:p>
             <a:r>
               <a:rPr lang="en-GB" dirty="0"/>
-              <a:t>This is to discuss what the</a:t>
+              <a:t>This</a:t>
             </a:r>
             <a:r>
               <a:rPr lang="en-GB" baseline="0" dirty="0"/>
-              <a:t> p-value actually is.</a:t>
+              <a:t> is an optional slide if your session allowed time for this to be included and shows how the chi-squared test statistic compares the observed and expected.</a:t>
             </a:r>
             <a:endParaRPr lang="en-GB" dirty="0"/>
           </a:p>
@@ -770,152 +740,32 @@
       </p:sp>
       <p:sp>
         <p:nvSpPr>
-          <p:cNvPr id="563204" name="Slide Number Placeholder 3"/>
+          <p:cNvPr id="4" name="Slide Number Placeholder 3"/>
           <p:cNvSpPr>
             <a:spLocks noGrp="1"/>
           </p:cNvSpPr>
           <p:nvPr>
-            <p:ph type="sldNum" sz="quarter" idx="5"/>
+            <p:ph type="sldNum" sz="quarter" idx="10"/>
           </p:nvPr>
         </p:nvSpPr>
-        <p:spPr>
-          <a:noFill/>
-          <a:ln/>
-          <a:extLst>
-            <a:ext uri="{909E8E84-426E-40DD-AFC4-6F175D3DCCD1}">
-              <a14:hiddenFill xmlns:a14="http://schemas.microsoft.com/office/drawing/2010/main">
-                <a:solidFill>
-                  <a:srgbClr val="FFFFFF"/>
-                </a:solidFill>
-              </a14:hiddenFill>
-            </a:ext>
-            <a:ext uri="{91240B29-F687-4F45-9708-019B960494DF}">
-              <a14:hiddenLine xmlns:a14="http://schemas.microsoft.com/office/drawing/2010/main" w="9525">
-                <a:solidFill>
-                  <a:srgbClr val="000000"/>
-                </a:solidFill>
-                <a:miter lim="800000"/>
-                <a:headEnd/>
-                <a:tailEnd/>
-              </a14:hiddenLine>
-            </a:ext>
-          </a:extLst>
-        </p:spPr>
+        <p:spPr/>
         <p:txBody>
           <a:bodyPr/>
-          <a:lstStyle>
-            <a:lvl1pPr eaLnBrk="0" hangingPunct="0">
-              <a:defRPr sz="4400">
-                <a:solidFill>
-                  <a:schemeClr val="tx1"/>
-                </a:solidFill>
-                <a:latin typeface="Arial" pitchFamily="34" charset="0"/>
-              </a:defRPr>
-            </a:lvl1pPr>
-            <a:lvl2pPr marL="742950" indent="-285750" eaLnBrk="0" hangingPunct="0">
-              <a:defRPr sz="4400">
-                <a:solidFill>
-                  <a:schemeClr val="tx1"/>
-                </a:solidFill>
-                <a:latin typeface="Arial" pitchFamily="34" charset="0"/>
-              </a:defRPr>
-            </a:lvl2pPr>
-            <a:lvl3pPr marL="1143000" indent="-228600" eaLnBrk="0" hangingPunct="0">
-              <a:defRPr sz="4400">
-                <a:solidFill>
-                  <a:schemeClr val="tx1"/>
-                </a:solidFill>
-                <a:latin typeface="Arial" pitchFamily="34" charset="0"/>
-              </a:defRPr>
-            </a:lvl3pPr>
-            <a:lvl4pPr marL="1600200" indent="-228600" eaLnBrk="0" hangingPunct="0">
-              <a:defRPr sz="4400">
-                <a:solidFill>
-                  <a:schemeClr val="tx1"/>
-                </a:solidFill>
-                <a:latin typeface="Arial" pitchFamily="34" charset="0"/>
-              </a:defRPr>
-            </a:lvl4pPr>
-            <a:lvl5pPr marL="2057400" indent="-228600" eaLnBrk="0" hangingPunct="0">
-              <a:defRPr sz="4400">
-                <a:solidFill>
-                  <a:schemeClr val="tx1"/>
-                </a:solidFill>
-                <a:latin typeface="Arial" pitchFamily="34" charset="0"/>
-              </a:defRPr>
-            </a:lvl5pPr>
-            <a:lvl6pPr marL="2514600" indent="-228600" algn="ctr" eaLnBrk="0" fontAlgn="base" hangingPunct="0">
-              <a:spcBef>
-                <a:spcPct val="0"/>
-              </a:spcBef>
-              <a:spcAft>
-                <a:spcPct val="0"/>
-              </a:spcAft>
-              <a:defRPr sz="4400">
-                <a:solidFill>
-                  <a:schemeClr val="tx1"/>
-                </a:solidFill>
-                <a:latin typeface="Arial" pitchFamily="34" charset="0"/>
-              </a:defRPr>
-            </a:lvl6pPr>
-            <a:lvl7pPr marL="2971800" indent="-228600" algn="ctr" eaLnBrk="0" fontAlgn="base" hangingPunct="0">
-              <a:spcBef>
-                <a:spcPct val="0"/>
-              </a:spcBef>
-              <a:spcAft>
-                <a:spcPct val="0"/>
-              </a:spcAft>
-              <a:defRPr sz="4400">
-                <a:solidFill>
-                  <a:schemeClr val="tx1"/>
-                </a:solidFill>
-                <a:latin typeface="Arial" pitchFamily="34" charset="0"/>
-              </a:defRPr>
-            </a:lvl7pPr>
-            <a:lvl8pPr marL="3429000" indent="-228600" algn="ctr" eaLnBrk="0" fontAlgn="base" hangingPunct="0">
-              <a:spcBef>
-                <a:spcPct val="0"/>
-              </a:spcBef>
-              <a:spcAft>
-                <a:spcPct val="0"/>
-              </a:spcAft>
-              <a:defRPr sz="4400">
-                <a:solidFill>
-                  <a:schemeClr val="tx1"/>
-                </a:solidFill>
-                <a:latin typeface="Arial" pitchFamily="34" charset="0"/>
-              </a:defRPr>
-            </a:lvl8pPr>
-            <a:lvl9pPr marL="3886200" indent="-228600" algn="ctr" eaLnBrk="0" fontAlgn="base" hangingPunct="0">
-              <a:spcBef>
-                <a:spcPct val="0"/>
-              </a:spcBef>
-              <a:spcAft>
-                <a:spcPct val="0"/>
-              </a:spcAft>
-              <a:defRPr sz="4400">
-                <a:solidFill>
-                  <a:schemeClr val="tx1"/>
-                </a:solidFill>
-                <a:latin typeface="Arial" pitchFamily="34" charset="0"/>
-              </a:defRPr>
-            </a:lvl9pPr>
-          </a:lstStyle>
-          <a:p>
-            <a:pPr eaLnBrk="1" hangingPunct="1"/>
-            <a:fld id="{CC140C97-C13D-4967-8E4B-5D556949B1A2}" type="slidenum">
-              <a:rPr lang="en-GB" sz="1200"/>
-              <a:pPr eaLnBrk="1" hangingPunct="1"/>
-              <a:t>25</a:t>
+          <a:lstStyle/>
+          <a:p>
+            <a:fld id="{E98A5C98-5A61-4815-8FF6-58A01FAC9068}" type="slidenum">
+              <a:rPr lang="en-GB" smtClean="0"/>
+              <a:pPr/>
+              <a:t>23</a:t>
             </a:fld>
-            <a:endParaRPr lang="en-GB" sz="1200"/>
+            <a:endParaRPr lang="en-GB"/>
           </a:p>
         </p:txBody>
       </p:sp>
     </p:spTree>
     <p:extLst>
       <p:ext uri="{BB962C8B-B14F-4D97-AF65-F5344CB8AC3E}">
-        <p14:creationId xmlns:p14="http://schemas.microsoft.com/office/powerpoint/2010/main" val="338954240"/>
+        <p14:creationId xmlns:p14="http://schemas.microsoft.com/office/powerpoint/2010/main" val="1353670735"/>
       </p:ext>
     </p:extLst>
   </p:cSld>
@@ -966,41 +816,24 @@
         </p:nvSpPr>
         <p:spPr/>
         <p:txBody>
-          <a:bodyPr>
-            <a:normAutofit/>
-          </a:bodyPr>
+          <a:bodyPr/>
           <a:lstStyle/>
           <a:p>
-            <a:pPr marL="0" marR="0" indent="0" algn="l" defTabSz="914400" rtl="0" eaLnBrk="1" fontAlgn="auto" latinLnBrk="0" hangingPunct="1">
-              <a:lnSpc>
-                <a:spcPct val="100000"/>
-              </a:lnSpc>
-              <a:spcBef>
-                <a:spcPts val="0"/>
-              </a:spcBef>
-              <a:spcAft>
-                <a:spcPts val="0"/>
-              </a:spcAft>
-              <a:buClrTx/>
-              <a:buSzTx/>
-              <a:buFontTx/>
-              <a:buNone/>
-              <a:tabLst/>
-              <a:defRPr/>
-            </a:pPr>
             <a:r>
               <a:rPr lang="en-GB" dirty="0"/>
-              <a:t>For contingency table data, a multiple or stacked bar chart can be used based on frequencies or percentage within. Adding labels with the % to charts can be helpful.</a:t>
-            </a:r>
-          </a:p>
-          <a:p>
+              <a:t>This slide is there to illustrate what the Chi-squared distribution looks like and</a:t>
+            </a:r>
+            <a:r>
+              <a:rPr lang="en-GB" baseline="0" dirty="0"/>
+              <a:t> that as the degrees of freedom increases (i.e. the amount of independent pieces of information we have from a study) then the more the wider the distribution is spread and becomes flatter.</a:t>
+            </a:r>
+          </a:p>
+          <a:p>
+            <a:r>
+              <a:rPr lang="en-GB" baseline="0" dirty="0"/>
+              <a:t>Degrees of freedom = 2 for titanic</a:t>
+            </a:r>
             <a:endParaRPr lang="en-GB" dirty="0"/>
-          </a:p>
-          <a:p>
-            <a:r>
-              <a:rPr lang="en-GB" baseline="0" dirty="0"/>
-              <a:t>When summarising data, encourage students not to include every table and graph and do not comment on every frequency or percentage.  Think back to their original question of interest and answer that question and talk about every table/ graph you include in your report.</a:t>
-            </a:r>
           </a:p>
         </p:txBody>
       </p:sp>
@@ -1019,19 +852,19 @@
           <a:bodyPr/>
           <a:lstStyle/>
           <a:p>
-            <a:fld id="{43690404-CD23-4A74-9A66-F62F3ABD71A1}" type="slidenum">
+            <a:fld id="{E98A5C98-5A61-4815-8FF6-58A01FAC9068}" type="slidenum">
               <a:rPr lang="en-GB" smtClean="0"/>
               <a:pPr/>
-              <a:t>26</a:t>
+              <a:t>24</a:t>
             </a:fld>
-            <a:endParaRPr lang="en-GB" dirty="0"/>
+            <a:endParaRPr lang="en-GB"/>
           </a:p>
         </p:txBody>
       </p:sp>
     </p:spTree>
     <p:extLst>
       <p:ext uri="{BB962C8B-B14F-4D97-AF65-F5344CB8AC3E}">
-        <p14:creationId xmlns:p14="http://schemas.microsoft.com/office/powerpoint/2010/main" val="2438994145"/>
+        <p14:creationId xmlns:p14="http://schemas.microsoft.com/office/powerpoint/2010/main" val="3327711855"/>
       </p:ext>
     </p:extLst>
   </p:cSld>
@@ -1060,19 +893,21 @@
       </p:grpSpPr>
       <p:sp>
         <p:nvSpPr>
-          <p:cNvPr id="2" name="Slide Image Placeholder 1"/>
+          <p:cNvPr id="563202" name="Slide Image Placeholder 1"/>
           <p:cNvSpPr>
-            <a:spLocks noGrp="1" noRot="1" noChangeAspect="1"/>
+            <a:spLocks noGrp="1" noRot="1" noChangeAspect="1" noTextEdit="1"/>
           </p:cNvSpPr>
           <p:nvPr>
             <p:ph type="sldImg"/>
           </p:nvPr>
         </p:nvSpPr>
-        <p:spPr/>
-      </p:sp>
-      <p:sp>
-        <p:nvSpPr>
-          <p:cNvPr id="3" name="Notes Placeholder 2"/>
+        <p:spPr>
+          <a:ln/>
+        </p:spPr>
+      </p:sp>
+      <p:sp>
+        <p:nvSpPr>
+          <p:cNvPr id="563203" name="Notes Placeholder 2"/>
           <p:cNvSpPr>
             <a:spLocks noGrp="1"/>
           </p:cNvSpPr>
@@ -1080,46 +915,193 @@
             <p:ph type="body" idx="1"/>
           </p:nvPr>
         </p:nvSpPr>
-        <p:spPr/>
+        <p:spPr>
+          <a:noFill/>
+          <a:ln/>
+          <a:extLst>
+            <a:ext uri="{909E8E84-426E-40DD-AFC4-6F175D3DCCD1}">
+              <a14:hiddenFill xmlns:a14="http://schemas.microsoft.com/office/drawing/2010/main">
+                <a:solidFill>
+                  <a:srgbClr val="FFFFFF"/>
+                </a:solidFill>
+              </a14:hiddenFill>
+            </a:ext>
+            <a:ext uri="{91240B29-F687-4F45-9708-019B960494DF}">
+              <a14:hiddenLine xmlns:a14="http://schemas.microsoft.com/office/drawing/2010/main" w="9525">
+                <a:solidFill>
+                  <a:srgbClr val="000000"/>
+                </a:solidFill>
+                <a:miter lim="800000"/>
+                <a:headEnd/>
+                <a:tailEnd/>
+              </a14:hiddenLine>
+            </a:ext>
+          </a:extLst>
+        </p:spPr>
         <p:txBody>
           <a:bodyPr/>
           <a:lstStyle/>
           <a:p>
             <a:r>
               <a:rPr lang="en-GB" dirty="0"/>
-              <a:t>Discuss what to do if there are low expected cell counts.</a:t>
-            </a:r>
+              <a:t>This is to discuss what the</a:t>
+            </a:r>
+            <a:r>
+              <a:rPr lang="en-GB" baseline="0" dirty="0"/>
+              <a:t> p-value actually is.</a:t>
+            </a:r>
+            <a:endParaRPr lang="en-GB" dirty="0"/>
           </a:p>
         </p:txBody>
       </p:sp>
       <p:sp>
         <p:nvSpPr>
-          <p:cNvPr id="4" name="Slide Number Placeholder 3"/>
+          <p:cNvPr id="563204" name="Slide Number Placeholder 3"/>
           <p:cNvSpPr>
             <a:spLocks noGrp="1"/>
           </p:cNvSpPr>
           <p:nvPr>
-            <p:ph type="sldNum" sz="quarter" idx="10"/>
+            <p:ph type="sldNum" sz="quarter" idx="5"/>
           </p:nvPr>
         </p:nvSpPr>
-        <p:spPr/>
+        <p:spPr>
+          <a:noFill/>
+          <a:ln/>
+          <a:extLst>
+            <a:ext uri="{909E8E84-426E-40DD-AFC4-6F175D3DCCD1}">
+              <a14:hiddenFill xmlns:a14="http://schemas.microsoft.com/office/drawing/2010/main">
+                <a:solidFill>
+                  <a:srgbClr val="FFFFFF"/>
+                </a:solidFill>
+              </a14:hiddenFill>
+            </a:ext>
+            <a:ext uri="{91240B29-F687-4F45-9708-019B960494DF}">
+              <a14:hiddenLine xmlns:a14="http://schemas.microsoft.com/office/drawing/2010/main" w="9525">
+                <a:solidFill>
+                  <a:srgbClr val="000000"/>
+                </a:solidFill>
+                <a:miter lim="800000"/>
+                <a:headEnd/>
+                <a:tailEnd/>
+              </a14:hiddenLine>
+            </a:ext>
+          </a:extLst>
+        </p:spPr>
         <p:txBody>
           <a:bodyPr/>
-          <a:lstStyle/>
-          <a:p>
-            <a:fld id="{E98A5C98-5A61-4815-8FF6-58A01FAC9068}" type="slidenum">
-              <a:rPr lang="en-GB" smtClean="0"/>
-              <a:pPr/>
-              <a:t>27</a:t>
+          <a:lstStyle>
+            <a:lvl1pPr eaLnBrk="0" hangingPunct="0">
+              <a:defRPr sz="4400">
+                <a:solidFill>
+                  <a:schemeClr val="tx1"/>
+                </a:solidFill>
+                <a:latin typeface="Arial" pitchFamily="34" charset="0"/>
+              </a:defRPr>
+            </a:lvl1pPr>
+            <a:lvl2pPr marL="742950" indent="-285750" eaLnBrk="0" hangingPunct="0">
+              <a:defRPr sz="4400">
+                <a:solidFill>
+                  <a:schemeClr val="tx1"/>
+                </a:solidFill>
+                <a:latin typeface="Arial" pitchFamily="34" charset="0"/>
+              </a:defRPr>
+            </a:lvl2pPr>
+            <a:lvl3pPr marL="1143000" indent="-228600" eaLnBrk="0" hangingPunct="0">
+              <a:defRPr sz="4400">
+                <a:solidFill>
+                  <a:schemeClr val="tx1"/>
+                </a:solidFill>
+                <a:latin typeface="Arial" pitchFamily="34" charset="0"/>
+              </a:defRPr>
+            </a:lvl3pPr>
+            <a:lvl4pPr marL="1600200" indent="-228600" eaLnBrk="0" hangingPunct="0">
+              <a:defRPr sz="4400">
+                <a:solidFill>
+                  <a:schemeClr val="tx1"/>
+                </a:solidFill>
+                <a:latin typeface="Arial" pitchFamily="34" charset="0"/>
+              </a:defRPr>
+            </a:lvl4pPr>
+            <a:lvl5pPr marL="2057400" indent="-228600" eaLnBrk="0" hangingPunct="0">
+              <a:defRPr sz="4400">
+                <a:solidFill>
+                  <a:schemeClr val="tx1"/>
+                </a:solidFill>
+                <a:latin typeface="Arial" pitchFamily="34" charset="0"/>
+              </a:defRPr>
+            </a:lvl5pPr>
+            <a:lvl6pPr marL="2514600" indent="-228600" algn="ctr" eaLnBrk="0" fontAlgn="base" hangingPunct="0">
+              <a:spcBef>
+                <a:spcPct val="0"/>
+              </a:spcBef>
+              <a:spcAft>
+                <a:spcPct val="0"/>
+              </a:spcAft>
+              <a:defRPr sz="4400">
+                <a:solidFill>
+                  <a:schemeClr val="tx1"/>
+                </a:solidFill>
+                <a:latin typeface="Arial" pitchFamily="34" charset="0"/>
+              </a:defRPr>
+            </a:lvl6pPr>
+            <a:lvl7pPr marL="2971800" indent="-228600" algn="ctr" eaLnBrk="0" fontAlgn="base" hangingPunct="0">
+              <a:spcBef>
+                <a:spcPct val="0"/>
+              </a:spcBef>
+              <a:spcAft>
+                <a:spcPct val="0"/>
+              </a:spcAft>
+              <a:defRPr sz="4400">
+                <a:solidFill>
+                  <a:schemeClr val="tx1"/>
+                </a:solidFill>
+                <a:latin typeface="Arial" pitchFamily="34" charset="0"/>
+              </a:defRPr>
+            </a:lvl7pPr>
+            <a:lvl8pPr marL="3429000" indent="-228600" algn="ctr" eaLnBrk="0" fontAlgn="base" hangingPunct="0">
+              <a:spcBef>
+                <a:spcPct val="0"/>
+              </a:spcBef>
+              <a:spcAft>
+                <a:spcPct val="0"/>
+              </a:spcAft>
+              <a:defRPr sz="4400">
+                <a:solidFill>
+                  <a:schemeClr val="tx1"/>
+                </a:solidFill>
+                <a:latin typeface="Arial" pitchFamily="34" charset="0"/>
+              </a:defRPr>
+            </a:lvl8pPr>
+            <a:lvl9pPr marL="3886200" indent="-228600" algn="ctr" eaLnBrk="0" fontAlgn="base" hangingPunct="0">
+              <a:spcBef>
+                <a:spcPct val="0"/>
+              </a:spcBef>
+              <a:spcAft>
+                <a:spcPct val="0"/>
+              </a:spcAft>
+              <a:defRPr sz="4400">
+                <a:solidFill>
+                  <a:schemeClr val="tx1"/>
+                </a:solidFill>
+                <a:latin typeface="Arial" pitchFamily="34" charset="0"/>
+              </a:defRPr>
+            </a:lvl9pPr>
+          </a:lstStyle>
+          <a:p>
+            <a:pPr eaLnBrk="1" hangingPunct="1"/>
+            <a:fld id="{CC140C97-C13D-4967-8E4B-5D556949B1A2}" type="slidenum">
+              <a:rPr lang="en-GB" sz="1200"/>
+              <a:pPr eaLnBrk="1" hangingPunct="1"/>
+              <a:t>25</a:t>
             </a:fld>
-            <a:endParaRPr lang="en-GB"/>
+            <a:endParaRPr lang="en-GB" sz="1200"/>
           </a:p>
         </p:txBody>
       </p:sp>
     </p:spTree>
     <p:extLst>
       <p:ext uri="{BB962C8B-B14F-4D97-AF65-F5344CB8AC3E}">
-        <p14:creationId xmlns:p14="http://schemas.microsoft.com/office/powerpoint/2010/main" val="52147172"/>
+        <p14:creationId xmlns:p14="http://schemas.microsoft.com/office/powerpoint/2010/main" val="338954240"/>
       </p:ext>
     </p:extLst>
   </p:cSld>
@@ -1170,22 +1152,40 @@
         </p:nvSpPr>
         <p:spPr/>
         <p:txBody>
-          <a:bodyPr/>
+          <a:bodyPr>
+            <a:normAutofit/>
+          </a:bodyPr>
           <a:lstStyle/>
           <a:p>
-            <a:r>
-              <a:rPr lang="en-GB" dirty="0" err="1"/>
-              <a:t>Teenitanic</a:t>
-            </a:r>
+            <a:pPr marL="0" marR="0" indent="0" algn="l" defTabSz="914400" rtl="0" eaLnBrk="1" fontAlgn="auto" latinLnBrk="0" hangingPunct="1">
+              <a:lnSpc>
+                <a:spcPct val="100000"/>
+              </a:lnSpc>
+              <a:spcBef>
+                <a:spcPts val="0"/>
+              </a:spcBef>
+              <a:spcAft>
+                <a:spcPts val="0"/>
+              </a:spcAft>
+              <a:buClrTx/>
+              <a:buSzTx/>
+              <a:buFontTx/>
+              <a:buNone/>
+              <a:tabLst/>
+              <a:defRPr/>
+            </a:pPr>
             <a:r>
               <a:rPr lang="en-GB" dirty="0"/>
-              <a:t> is half the size of the original in terms of passengers</a:t>
-            </a:r>
-          </a:p>
-          <a:p>
-            <a:r>
-              <a:rPr lang="en-GB" dirty="0"/>
-              <a:t>Proportion of survived in each class the same in the two ships, but chi squared is different value</a:t>
+              <a:t>For contingency table data, a multiple or stacked bar chart can be used based on frequencies or percentage within. Adding labels with the % to charts can be helpful.</a:t>
+            </a:r>
+          </a:p>
+          <a:p>
+            <a:endParaRPr lang="en-GB" dirty="0"/>
+          </a:p>
+          <a:p>
+            <a:r>
+              <a:rPr lang="en-GB" baseline="0" dirty="0"/>
+              <a:t>When summarising data, encourage students not to include every table and graph and do not comment on every frequency or percentage.  Think back to their original question of interest and answer that question and talk about every table/ graph you include in your report.</a:t>
             </a:r>
           </a:p>
         </p:txBody>
@@ -1205,19 +1205,19 @@
           <a:bodyPr/>
           <a:lstStyle/>
           <a:p>
-            <a:fld id="{E98A5C98-5A61-4815-8FF6-58A01FAC9068}" type="slidenum">
+            <a:fld id="{43690404-CD23-4A74-9A66-F62F3ABD71A1}" type="slidenum">
               <a:rPr lang="en-GB" smtClean="0"/>
               <a:pPr/>
-              <a:t>28</a:t>
+              <a:t>26</a:t>
             </a:fld>
-            <a:endParaRPr lang="en-GB"/>
+            <a:endParaRPr lang="en-GB" dirty="0"/>
           </a:p>
         </p:txBody>
       </p:sp>
     </p:spTree>
     <p:extLst>
       <p:ext uri="{BB962C8B-B14F-4D97-AF65-F5344CB8AC3E}">
-        <p14:creationId xmlns:p14="http://schemas.microsoft.com/office/powerpoint/2010/main" val="4200288575"/>
+        <p14:creationId xmlns:p14="http://schemas.microsoft.com/office/powerpoint/2010/main" val="2438994145"/>
       </p:ext>
     </p:extLst>
   </p:cSld>
@@ -1273,6 +1273,192 @@
           <a:p>
             <a:r>
               <a:rPr lang="en-GB" dirty="0"/>
+              <a:t>Discuss what to do if there are low expected cell counts.</a:t>
+            </a:r>
+          </a:p>
+        </p:txBody>
+      </p:sp>
+      <p:sp>
+        <p:nvSpPr>
+          <p:cNvPr id="4" name="Slide Number Placeholder 3"/>
+          <p:cNvSpPr>
+            <a:spLocks noGrp="1"/>
+          </p:cNvSpPr>
+          <p:nvPr>
+            <p:ph type="sldNum" sz="quarter" idx="10"/>
+          </p:nvPr>
+        </p:nvSpPr>
+        <p:spPr/>
+        <p:txBody>
+          <a:bodyPr/>
+          <a:lstStyle/>
+          <a:p>
+            <a:fld id="{E98A5C98-5A61-4815-8FF6-58A01FAC9068}" type="slidenum">
+              <a:rPr lang="en-GB" smtClean="0"/>
+              <a:pPr/>
+              <a:t>27</a:t>
+            </a:fld>
+            <a:endParaRPr lang="en-GB"/>
+          </a:p>
+        </p:txBody>
+      </p:sp>
+    </p:spTree>
+    <p:extLst>
+      <p:ext uri="{BB962C8B-B14F-4D97-AF65-F5344CB8AC3E}">
+        <p14:creationId xmlns:p14="http://schemas.microsoft.com/office/powerpoint/2010/main" val="52147172"/>
+      </p:ext>
+    </p:extLst>
+  </p:cSld>
+  <p:clrMapOvr>
+    <a:masterClrMapping/>
+  </p:clrMapOvr>
+</p:notes>
+</file>
+
+<file path=ppt/notesSlides/notesSlide16.xml><?xml version="1.0" encoding="utf-8"?>
+<p:notes xmlns:a="http://schemas.openxmlformats.org/drawingml/2006/main" xmlns:r="http://schemas.openxmlformats.org/officeDocument/2006/relationships" xmlns:p="http://schemas.openxmlformats.org/presentationml/2006/main">
+  <p:cSld>
+    <p:spTree>
+      <p:nvGrpSpPr>
+        <p:cNvPr id="1" name=""/>
+        <p:cNvGrpSpPr/>
+        <p:nvPr/>
+      </p:nvGrpSpPr>
+      <p:grpSpPr>
+        <a:xfrm>
+          <a:off x="0" y="0"/>
+          <a:ext cx="0" cy="0"/>
+          <a:chOff x="0" y="0"/>
+          <a:chExt cx="0" cy="0"/>
+        </a:xfrm>
+      </p:grpSpPr>
+      <p:sp>
+        <p:nvSpPr>
+          <p:cNvPr id="2" name="Slide Image Placeholder 1"/>
+          <p:cNvSpPr>
+            <a:spLocks noGrp="1" noRot="1" noChangeAspect="1"/>
+          </p:cNvSpPr>
+          <p:nvPr>
+            <p:ph type="sldImg"/>
+          </p:nvPr>
+        </p:nvSpPr>
+        <p:spPr/>
+      </p:sp>
+      <p:sp>
+        <p:nvSpPr>
+          <p:cNvPr id="3" name="Notes Placeholder 2"/>
+          <p:cNvSpPr>
+            <a:spLocks noGrp="1"/>
+          </p:cNvSpPr>
+          <p:nvPr>
+            <p:ph type="body" idx="1"/>
+          </p:nvPr>
+        </p:nvSpPr>
+        <p:spPr/>
+        <p:txBody>
+          <a:bodyPr/>
+          <a:lstStyle/>
+          <a:p>
+            <a:r>
+              <a:rPr lang="en-GB" dirty="0" err="1"/>
+              <a:t>Teenitanic</a:t>
+            </a:r>
+            <a:r>
+              <a:rPr lang="en-GB" dirty="0"/>
+              <a:t> is half the size of the original in terms of passengers</a:t>
+            </a:r>
+          </a:p>
+          <a:p>
+            <a:r>
+              <a:rPr lang="en-GB" dirty="0"/>
+              <a:t>Proportion of survived in each class the same in the two ships, but chi squared is different value</a:t>
+            </a:r>
+          </a:p>
+        </p:txBody>
+      </p:sp>
+      <p:sp>
+        <p:nvSpPr>
+          <p:cNvPr id="4" name="Slide Number Placeholder 3"/>
+          <p:cNvSpPr>
+            <a:spLocks noGrp="1"/>
+          </p:cNvSpPr>
+          <p:nvPr>
+            <p:ph type="sldNum" sz="quarter" idx="10"/>
+          </p:nvPr>
+        </p:nvSpPr>
+        <p:spPr/>
+        <p:txBody>
+          <a:bodyPr/>
+          <a:lstStyle/>
+          <a:p>
+            <a:fld id="{E98A5C98-5A61-4815-8FF6-58A01FAC9068}" type="slidenum">
+              <a:rPr lang="en-GB" smtClean="0"/>
+              <a:pPr/>
+              <a:t>28</a:t>
+            </a:fld>
+            <a:endParaRPr lang="en-GB"/>
+          </a:p>
+        </p:txBody>
+      </p:sp>
+    </p:spTree>
+    <p:extLst>
+      <p:ext uri="{BB962C8B-B14F-4D97-AF65-F5344CB8AC3E}">
+        <p14:creationId xmlns:p14="http://schemas.microsoft.com/office/powerpoint/2010/main" val="4200288575"/>
+      </p:ext>
+    </p:extLst>
+  </p:cSld>
+  <p:clrMapOvr>
+    <a:masterClrMapping/>
+  </p:clrMapOvr>
+</p:notes>
+</file>
+
+<file path=ppt/notesSlides/notesSlide17.xml><?xml version="1.0" encoding="utf-8"?>
+<p:notes xmlns:a="http://schemas.openxmlformats.org/drawingml/2006/main" xmlns:r="http://schemas.openxmlformats.org/officeDocument/2006/relationships" xmlns:p="http://schemas.openxmlformats.org/presentationml/2006/main">
+  <p:cSld>
+    <p:spTree>
+      <p:nvGrpSpPr>
+        <p:cNvPr id="1" name=""/>
+        <p:cNvGrpSpPr/>
+        <p:nvPr/>
+      </p:nvGrpSpPr>
+      <p:grpSpPr>
+        <a:xfrm>
+          <a:off x="0" y="0"/>
+          <a:ext cx="0" cy="0"/>
+          <a:chOff x="0" y="0"/>
+          <a:chExt cx="0" cy="0"/>
+        </a:xfrm>
+      </p:grpSpPr>
+      <p:sp>
+        <p:nvSpPr>
+          <p:cNvPr id="2" name="Slide Image Placeholder 1"/>
+          <p:cNvSpPr>
+            <a:spLocks noGrp="1" noRot="1" noChangeAspect="1"/>
+          </p:cNvSpPr>
+          <p:nvPr>
+            <p:ph type="sldImg"/>
+          </p:nvPr>
+        </p:nvSpPr>
+        <p:spPr/>
+      </p:sp>
+      <p:sp>
+        <p:nvSpPr>
+          <p:cNvPr id="3" name="Notes Placeholder 2"/>
+          <p:cNvSpPr>
+            <a:spLocks noGrp="1"/>
+          </p:cNvSpPr>
+          <p:nvPr>
+            <p:ph type="body" idx="1"/>
+          </p:nvPr>
+        </p:nvSpPr>
+        <p:spPr/>
+        <p:txBody>
+          <a:bodyPr/>
+          <a:lstStyle/>
+          <a:p>
+            <a:r>
+              <a:rPr lang="en-GB" dirty="0"/>
               <a:t>Proportion of survived in each class the same in the two ships, but chi squared is different value</a:t>
             </a:r>
           </a:p>
@@ -1315,7 +1501,7 @@
 </p:notes>
 </file>
 
-<file path=ppt/notesSlides/notesSlide16.xml><?xml version="1.0" encoding="utf-8"?>
+<file path=ppt/notesSlides/notesSlide18.xml><?xml version="1.0" encoding="utf-8"?>
 <p:notes xmlns:a="http://schemas.openxmlformats.org/drawingml/2006/main" xmlns:r="http://schemas.openxmlformats.org/officeDocument/2006/relationships" xmlns:p="http://schemas.openxmlformats.org/presentationml/2006/main">
   <p:cSld>
     <p:spTree>
@@ -1447,76 +1633,10 @@
           <a:bodyPr/>
           <a:lstStyle/>
           <a:p>
-            <a:pPr algn="l"/>
-            <a:r>
-              <a:rPr lang="en-GB" b="0" i="0" dirty="0">
-                <a:solidFill>
-                  <a:srgbClr val="040C28"/>
-                </a:solidFill>
-                <a:effectLst/>
-                <a:latin typeface="Google Sans"/>
-              </a:rPr>
-              <a:t>Categorical data, and data that are not normally distributed, can be </a:t>
-            </a:r>
-            <a:r>
-              <a:rPr lang="en-GB" b="0" i="0" dirty="0" err="1">
-                <a:solidFill>
-                  <a:srgbClr val="040C28"/>
-                </a:solidFill>
-                <a:effectLst/>
-                <a:latin typeface="Google Sans"/>
-              </a:rPr>
-              <a:t>analyzed</a:t>
-            </a:r>
-            <a:r>
-              <a:rPr lang="en-GB" b="0" i="0" dirty="0">
-                <a:solidFill>
-                  <a:srgbClr val="040C28"/>
-                </a:solidFill>
-                <a:effectLst/>
-                <a:latin typeface="Google Sans"/>
-              </a:rPr>
-              <a:t> with non-parametric statistics</a:t>
-            </a:r>
-            <a:r>
-              <a:rPr lang="en-GB" b="0" i="0" dirty="0">
-                <a:solidFill>
-                  <a:srgbClr val="202124"/>
-                </a:solidFill>
-                <a:effectLst/>
-                <a:latin typeface="Google Sans"/>
-              </a:rPr>
-              <a:t>. With categorical variables, you can't calculate a mean or standard deviation. Instead, you have frequencies. The data can be measured on the nominal or ordinal scale.</a:t>
-            </a:r>
-            <a:endParaRPr lang="en-GB" b="0" i="0" dirty="0">
-              <a:solidFill>
-                <a:srgbClr val="202124"/>
-              </a:solidFill>
-              <a:effectLst/>
-              <a:latin typeface="arial" panose="020B0604020202020204" pitchFamily="34" charset="0"/>
-            </a:endParaRPr>
-          </a:p>
-          <a:p>
-            <a:pPr algn="l"/>
-            <a:br>
-              <a:rPr lang="en-GB" b="0" i="0" dirty="0">
-                <a:solidFill>
-                  <a:srgbClr val="202124"/>
-                </a:solidFill>
-                <a:effectLst/>
-                <a:latin typeface="arial" panose="020B0604020202020204" pitchFamily="34" charset="0"/>
-              </a:rPr>
-            </a:br>
-            <a:endParaRPr lang="en-GB" b="0" i="0" dirty="0">
-              <a:solidFill>
-                <a:srgbClr val="202124"/>
-              </a:solidFill>
-              <a:effectLst/>
-              <a:latin typeface="arial" panose="020B0604020202020204" pitchFamily="34" charset="0"/>
-            </a:endParaRPr>
-          </a:p>
-          <a:p>
-            <a:endParaRPr lang="en-GB" dirty="0"/>
+            <a:r>
+              <a:rPr lang="en-GB" dirty="0"/>
+              <a:t>This last point is rather key - it tells us we need to be careful about the implications that we draw or make. Is it that what we are testing doesn't exist? Or is it that we haven't gathered the correct data to identify a pattern</a:t>
+            </a:r>
           </a:p>
         </p:txBody>
       </p:sp>
@@ -1537,7 +1657,7 @@
           <a:p>
             <a:fld id="{4D41465A-9B3D-44C4-BECD-74054302E1AD}" type="slidenum">
               <a:rPr lang="en-GB" smtClean="0"/>
-              <a:t>16</a:t>
+              <a:t>4</a:t>
             </a:fld>
             <a:endParaRPr lang="en-GB"/>
           </a:p>
@@ -1546,7 +1666,7 @@
     </p:spTree>
     <p:extLst>
       <p:ext uri="{BB962C8B-B14F-4D97-AF65-F5344CB8AC3E}">
-        <p14:creationId xmlns:p14="http://schemas.microsoft.com/office/powerpoint/2010/main" val="1025730676"/>
+        <p14:creationId xmlns:p14="http://schemas.microsoft.com/office/powerpoint/2010/main" val="640352735"/>
       </p:ext>
     </p:extLst>
   </p:cSld>
@@ -1601,12 +1721,14 @@
           <a:lstStyle/>
           <a:p>
             <a:r>
-              <a:rPr lang="en-GB" dirty="0"/>
-              <a:t>Ask the audience what the null and hypothesis might</a:t>
-            </a:r>
-            <a:r>
-              <a:rPr lang="en-GB" baseline="0" dirty="0"/>
-              <a:t> be, what type of data we would have and what test we should consider using.</a:t>
+              <a:rPr lang="en-GB" b="0" i="0" dirty="0">
+                <a:solidFill>
+                  <a:srgbClr val="455F7C"/>
+                </a:solidFill>
+                <a:effectLst/>
+                <a:latin typeface="Open Sans" panose="020F0502020204030204" pitchFamily="34" charset="0"/>
+              </a:rPr>
+              <a:t> the average height of males was 175.9 centimetres in 2021. In comparison, the mean height of women was 162.4 centimetres in 2021</a:t>
             </a:r>
             <a:endParaRPr lang="en-GB" dirty="0"/>
           </a:p>
@@ -1619,7 +1741,7 @@
             <a:spLocks noGrp="1"/>
           </p:cNvSpPr>
           <p:nvPr>
-            <p:ph type="sldNum" sz="quarter" idx="10"/>
+            <p:ph type="sldNum" sz="quarter" idx="5"/>
           </p:nvPr>
         </p:nvSpPr>
         <p:spPr/>
@@ -1627,10 +1749,9 @@
           <a:bodyPr/>
           <a:lstStyle/>
           <a:p>
-            <a:fld id="{E98A5C98-5A61-4815-8FF6-58A01FAC9068}" type="slidenum">
+            <a:fld id="{4D41465A-9B3D-44C4-BECD-74054302E1AD}" type="slidenum">
               <a:rPr lang="en-GB" smtClean="0"/>
-              <a:pPr/>
-              <a:t>17</a:t>
+              <a:t>12</a:t>
             </a:fld>
             <a:endParaRPr lang="en-GB"/>
           </a:p>
@@ -1639,7 +1760,7 @@
     </p:spTree>
     <p:extLst>
       <p:ext uri="{BB962C8B-B14F-4D97-AF65-F5344CB8AC3E}">
-        <p14:creationId xmlns:p14="http://schemas.microsoft.com/office/powerpoint/2010/main" val="3779724504"/>
+        <p14:creationId xmlns:p14="http://schemas.microsoft.com/office/powerpoint/2010/main" val="1722050633"/>
       </p:ext>
     </p:extLst>
   </p:cSld>
@@ -1693,38 +1814,75 @@
           <a:bodyPr/>
           <a:lstStyle/>
           <a:p>
-            <a:r>
-              <a:rPr lang="en-GB" dirty="0"/>
-              <a:t>Since we have two categorical</a:t>
-            </a:r>
-            <a:r>
-              <a:rPr lang="en-GB" baseline="0" dirty="0"/>
-              <a:t> variables and want to know if they are associated we can use a chi-squared test. Class could be considered as an ordinal variable but there are only 3 levels here and so a chi-squared test therefore be quite appropriate. Point out there are 3 rows and 2 columns in our table and hence this is called a 3x2 contingency table. Discuss whether the table suggests class and survival are connected and try to tease out that we might be better looking at the % of 1</a:t>
-            </a:r>
-            <a:r>
-              <a:rPr lang="en-GB" baseline="30000" dirty="0"/>
-              <a:t>st</a:t>
-            </a:r>
-            <a:r>
-              <a:rPr lang="en-GB" baseline="0" dirty="0"/>
-              <a:t> class passengers that died/survived and compare this with the % for 2</a:t>
-            </a:r>
-            <a:r>
-              <a:rPr lang="en-GB" baseline="30000" dirty="0"/>
-              <a:t>nd</a:t>
-            </a:r>
-            <a:r>
-              <a:rPr lang="en-GB" baseline="0" dirty="0"/>
-              <a:t> class and 3</a:t>
-            </a:r>
-            <a:r>
-              <a:rPr lang="en-GB" baseline="30000" dirty="0"/>
-              <a:t>rd</a:t>
-            </a:r>
-            <a:r>
-              <a:rPr lang="en-GB" baseline="0" dirty="0"/>
-              <a:t> class.</a:t>
-            </a:r>
+            <a:pPr algn="l"/>
+            <a:r>
+              <a:rPr lang="en-GB" b="0" i="0" dirty="0">
+                <a:solidFill>
+                  <a:srgbClr val="040C28"/>
+                </a:solidFill>
+                <a:effectLst/>
+                <a:latin typeface="Google Sans"/>
+              </a:rPr>
+              <a:t>Categorical data, and data that are not normally distributed, can be </a:t>
+            </a:r>
+            <a:r>
+              <a:rPr lang="en-GB" b="0" i="0" dirty="0" err="1">
+                <a:solidFill>
+                  <a:srgbClr val="040C28"/>
+                </a:solidFill>
+                <a:effectLst/>
+                <a:latin typeface="Google Sans"/>
+              </a:rPr>
+              <a:t>analyzed</a:t>
+            </a:r>
+            <a:r>
+              <a:rPr lang="en-GB" b="0" i="0" dirty="0">
+                <a:solidFill>
+                  <a:srgbClr val="040C28"/>
+                </a:solidFill>
+                <a:effectLst/>
+                <a:latin typeface="Google Sans"/>
+              </a:rPr>
+              <a:t> with non-parametric statistics</a:t>
+            </a:r>
+            <a:r>
+              <a:rPr lang="en-GB" b="0" i="0" dirty="0">
+                <a:solidFill>
+                  <a:srgbClr val="202124"/>
+                </a:solidFill>
+                <a:effectLst/>
+                <a:latin typeface="Google Sans"/>
+              </a:rPr>
+              <a:t>. With categorical variables, you can't calculate a mean or standard deviation. Instead, you have frequencies. The data can be measured on the nominal or ordinal scale.</a:t>
+            </a:r>
+            <a:endParaRPr lang="en-GB" b="0" i="0" dirty="0">
+              <a:solidFill>
+                <a:srgbClr val="202124"/>
+              </a:solidFill>
+              <a:effectLst/>
+              <a:latin typeface="arial" panose="020B0604020202020204" pitchFamily="34" charset="0"/>
+            </a:endParaRPr>
+          </a:p>
+          <a:p>
+            <a:pPr algn="l"/>
+            <a:br>
+              <a:rPr lang="en-GB" b="0" i="0" dirty="0">
+                <a:solidFill>
+                  <a:srgbClr val="202124"/>
+                </a:solidFill>
+                <a:effectLst/>
+                <a:latin typeface="arial" panose="020B0604020202020204" pitchFamily="34" charset="0"/>
+              </a:rPr>
+            </a:br>
+            <a:endParaRPr lang="en-GB" b="0" i="0" dirty="0">
+              <a:solidFill>
+                <a:srgbClr val="202124"/>
+              </a:solidFill>
+              <a:effectLst/>
+              <a:latin typeface="arial" panose="020B0604020202020204" pitchFamily="34" charset="0"/>
+            </a:endParaRPr>
+          </a:p>
+          <a:p>
             <a:endParaRPr lang="en-GB" dirty="0"/>
           </a:p>
         </p:txBody>
@@ -1736,7 +1894,7 @@
             <a:spLocks noGrp="1"/>
           </p:cNvSpPr>
           <p:nvPr>
-            <p:ph type="sldNum" sz="quarter" idx="10"/>
+            <p:ph type="sldNum" sz="quarter" idx="5"/>
           </p:nvPr>
         </p:nvSpPr>
         <p:spPr/>
@@ -1744,10 +1902,9 @@
           <a:bodyPr/>
           <a:lstStyle/>
           <a:p>
-            <a:fld id="{E98A5C98-5A61-4815-8FF6-58A01FAC9068}" type="slidenum">
+            <a:fld id="{4D41465A-9B3D-44C4-BECD-74054302E1AD}" type="slidenum">
               <a:rPr lang="en-GB" smtClean="0"/>
-              <a:pPr/>
-              <a:t>18</a:t>
+              <a:t>16</a:t>
             </a:fld>
             <a:endParaRPr lang="en-GB"/>
           </a:p>
@@ -1756,7 +1913,7 @@
     </p:spTree>
     <p:extLst>
       <p:ext uri="{BB962C8B-B14F-4D97-AF65-F5344CB8AC3E}">
-        <p14:creationId xmlns:p14="http://schemas.microsoft.com/office/powerpoint/2010/main" val="480763431"/>
+        <p14:creationId xmlns:p14="http://schemas.microsoft.com/office/powerpoint/2010/main" val="1025730676"/>
       </p:ext>
     </p:extLst>
   </p:cSld>
@@ -1812,11 +1969,11 @@
           <a:p>
             <a:r>
               <a:rPr lang="en-GB" dirty="0"/>
-              <a:t>Discuss that this is what the % would be if there</a:t>
+              <a:t>Ask the audience what the null and hypothesis might</a:t>
             </a:r>
             <a:r>
               <a:rPr lang="en-GB" baseline="0" dirty="0"/>
-              <a:t> was no difference between the classes with respect to the chances of survival.</a:t>
+              <a:t> be, what type of data we would have and what test we should consider using.</a:t>
             </a:r>
             <a:endParaRPr lang="en-GB" dirty="0"/>
           </a:p>
@@ -1840,7 +1997,7 @@
             <a:fld id="{E98A5C98-5A61-4815-8FF6-58A01FAC9068}" type="slidenum">
               <a:rPr lang="en-GB" smtClean="0"/>
               <a:pPr/>
-              <a:t>19</a:t>
+              <a:t>17</a:t>
             </a:fld>
             <a:endParaRPr lang="en-GB"/>
           </a:p>
@@ -1849,7 +2006,7 @@
     </p:spTree>
     <p:extLst>
       <p:ext uri="{BB962C8B-B14F-4D97-AF65-F5344CB8AC3E}">
-        <p14:creationId xmlns:p14="http://schemas.microsoft.com/office/powerpoint/2010/main" val="150576783"/>
+        <p14:creationId xmlns:p14="http://schemas.microsoft.com/office/powerpoint/2010/main" val="3779724504"/>
       </p:ext>
     </p:extLst>
   </p:cSld>
@@ -1905,11 +2062,35 @@
           <a:p>
             <a:r>
               <a:rPr lang="en-GB" dirty="0"/>
-              <a:t>This slide is shown since the chi-squared test formally compares the observed</a:t>
+              <a:t>Since we have two categorical</a:t>
             </a:r>
             <a:r>
               <a:rPr lang="en-GB" baseline="0" dirty="0"/>
-              <a:t> FREQUENCIES with the expected frequencies.</a:t>
+              <a:t> variables and want to know if they are associated we can use a chi-squared test. Class could be considered as an ordinal variable but there are only 3 levels here and so a chi-squared test therefore be quite appropriate. Point out there are 3 rows and 2 columns in our table and hence this is called a 3x2 contingency table. Discuss whether the table suggests class and survival are connected and try to tease out that we might be better looking at the % of 1</a:t>
+            </a:r>
+            <a:r>
+              <a:rPr lang="en-GB" baseline="30000" dirty="0"/>
+              <a:t>st</a:t>
+            </a:r>
+            <a:r>
+              <a:rPr lang="en-GB" baseline="0" dirty="0"/>
+              <a:t> class passengers that died/survived and compare this with the % for 2</a:t>
+            </a:r>
+            <a:r>
+              <a:rPr lang="en-GB" baseline="30000" dirty="0"/>
+              <a:t>nd</a:t>
+            </a:r>
+            <a:r>
+              <a:rPr lang="en-GB" baseline="0" dirty="0"/>
+              <a:t> class and 3</a:t>
+            </a:r>
+            <a:r>
+              <a:rPr lang="en-GB" baseline="30000" dirty="0"/>
+              <a:t>rd</a:t>
+            </a:r>
+            <a:r>
+              <a:rPr lang="en-GB" baseline="0" dirty="0"/>
+              <a:t> class.</a:t>
             </a:r>
             <a:endParaRPr lang="en-GB" dirty="0"/>
           </a:p>
@@ -1933,7 +2114,7 @@
             <a:fld id="{E98A5C98-5A61-4815-8FF6-58A01FAC9068}" type="slidenum">
               <a:rPr lang="en-GB" smtClean="0"/>
               <a:pPr/>
-              <a:t>20</a:t>
+              <a:t>18</a:t>
             </a:fld>
             <a:endParaRPr lang="en-GB"/>
           </a:p>
@@ -1942,7 +2123,7 @@
     </p:spTree>
     <p:extLst>
       <p:ext uri="{BB962C8B-B14F-4D97-AF65-F5344CB8AC3E}">
-        <p14:creationId xmlns:p14="http://schemas.microsoft.com/office/powerpoint/2010/main" val="2900748822"/>
+        <p14:creationId xmlns:p14="http://schemas.microsoft.com/office/powerpoint/2010/main" val="480763431"/>
       </p:ext>
     </p:extLst>
   </p:cSld>
@@ -1998,11 +2179,11 @@
           <a:p>
             <a:r>
               <a:rPr lang="en-GB" dirty="0"/>
-              <a:t>This</a:t>
+              <a:t>Discuss that this is what the % would be if there</a:t>
             </a:r>
             <a:r>
               <a:rPr lang="en-GB" baseline="0" dirty="0"/>
-              <a:t> is an optional slide if your session allowed time for this to be included and shows how the chi-squared test statistic compares the observed and expected.</a:t>
+              <a:t> was no difference between the classes with respect to the chances of survival.</a:t>
             </a:r>
             <a:endParaRPr lang="en-GB" dirty="0"/>
           </a:p>
@@ -2026,7 +2207,7 @@
             <a:fld id="{E98A5C98-5A61-4815-8FF6-58A01FAC9068}" type="slidenum">
               <a:rPr lang="en-GB" smtClean="0"/>
               <a:pPr/>
-              <a:t>21</a:t>
+              <a:t>19</a:t>
             </a:fld>
             <a:endParaRPr lang="en-GB"/>
           </a:p>
@@ -2035,7 +2216,7 @@
     </p:spTree>
     <p:extLst>
       <p:ext uri="{BB962C8B-B14F-4D97-AF65-F5344CB8AC3E}">
-        <p14:creationId xmlns:p14="http://schemas.microsoft.com/office/powerpoint/2010/main" val="940388574"/>
+        <p14:creationId xmlns:p14="http://schemas.microsoft.com/office/powerpoint/2010/main" val="150576783"/>
       </p:ext>
     </p:extLst>
   </p:cSld>
@@ -2091,11 +2272,11 @@
           <a:p>
             <a:r>
               <a:rPr lang="en-GB" dirty="0"/>
-              <a:t>This</a:t>
+              <a:t>This slide is shown since the chi-squared test formally compares the observed</a:t>
             </a:r>
             <a:r>
               <a:rPr lang="en-GB" baseline="0" dirty="0"/>
-              <a:t> is an optional slide if your session allowed time for this to be included and shows how the chi-squared test statistic compares the observed and expected.</a:t>
+              <a:t> FREQUENCIES with the expected frequencies.</a:t>
             </a:r>
             <a:endParaRPr lang="en-GB" dirty="0"/>
           </a:p>
@@ -2119,7 +2300,7 @@
             <a:fld id="{E98A5C98-5A61-4815-8FF6-58A01FAC9068}" type="slidenum">
               <a:rPr lang="en-GB" smtClean="0"/>
               <a:pPr/>
-              <a:t>22</a:t>
+              <a:t>20</a:t>
             </a:fld>
             <a:endParaRPr lang="en-GB"/>
           </a:p>
@@ -2128,7 +2309,7 @@
     </p:spTree>
     <p:extLst>
       <p:ext uri="{BB962C8B-B14F-4D97-AF65-F5344CB8AC3E}">
-        <p14:creationId xmlns:p14="http://schemas.microsoft.com/office/powerpoint/2010/main" val="520993030"/>
+        <p14:creationId xmlns:p14="http://schemas.microsoft.com/office/powerpoint/2010/main" val="2900748822"/>
       </p:ext>
     </p:extLst>
   </p:cSld>
@@ -2212,7 +2393,7 @@
             <a:fld id="{E98A5C98-5A61-4815-8FF6-58A01FAC9068}" type="slidenum">
               <a:rPr lang="en-GB" smtClean="0"/>
               <a:pPr/>
-              <a:t>23</a:t>
+              <a:t>21</a:t>
             </a:fld>
             <a:endParaRPr lang="en-GB"/>
           </a:p>
@@ -2221,7 +2402,7 @@
     </p:spTree>
     <p:extLst>
       <p:ext uri="{BB962C8B-B14F-4D97-AF65-F5344CB8AC3E}">
-        <p14:creationId xmlns:p14="http://schemas.microsoft.com/office/powerpoint/2010/main" val="1353670735"/>
+        <p14:creationId xmlns:p14="http://schemas.microsoft.com/office/powerpoint/2010/main" val="940388574"/>
       </p:ext>
     </p:extLst>
   </p:cSld>
@@ -2678,7 +2859,7 @@
             <a:fld id="{012ADEB9-B943-4968-ADF2-270CE1983704}" type="datetimeFigureOut">
               <a:rPr lang="en-GB" smtClean="0"/>
               <a:pPr/>
-              <a:t>30/01/2024</a:t>
+              <a:t>22/02/2024</a:t>
             </a:fld>
             <a:endParaRPr lang="en-GB" dirty="0"/>
           </a:p>
@@ -4679,73 +4860,31 @@
           <a:p>
             <a:r>
               <a:rPr lang="en-GB" dirty="0"/>
-              <a:t>So the total </a:t>
+              <a:t>What we call </a:t>
             </a:r>
             <a:r>
               <a:rPr lang="en-GB" i="1" dirty="0"/>
-              <a:t>variance </a:t>
+              <a:t>error</a:t>
             </a:r>
             <a:r>
               <a:rPr lang="en-GB" dirty="0"/>
-              <a:t>of observed scores, for a sample of participants, will equal the </a:t>
+              <a:t> is also </a:t>
             </a:r>
             <a:r>
               <a:rPr lang="en-GB" i="1" dirty="0"/>
-              <a:t>variance </a:t>
+              <a:t>noise</a:t>
             </a:r>
             <a:r>
               <a:rPr lang="en-GB" dirty="0"/>
-              <a:t>of their true scores plus the </a:t>
-            </a:r>
-            <a:r>
-              <a:rPr lang="en-GB" i="1" dirty="0"/>
-              <a:t>variance </a:t>
-            </a:r>
+              <a:t>, and represents the deviation from what we consider the true value</a:t>
+            </a:r>
+            <a:endParaRPr lang="en-GB" sz="1400" i="1" dirty="0"/>
+          </a:p>
+          <a:p>
             <a:r>
               <a:rPr lang="en-GB" dirty="0"/>
-              <a:t>of their error scores </a:t>
-            </a:r>
-            <a:r>
-              <a:rPr lang="en-GB" i="1" dirty="0"/>
-              <a:t>sd</a:t>
-            </a:r>
-            <a:r>
-              <a:rPr lang="en-GB" i="1" baseline="-25000" dirty="0"/>
-              <a:t>obs</a:t>
-            </a:r>
-            <a:r>
-              <a:rPr lang="en-GB" baseline="30000" dirty="0"/>
-              <a:t>2</a:t>
-            </a:r>
-            <a:r>
-              <a:rPr lang="en-GB" i="1" dirty="0"/>
-              <a:t> = sd</a:t>
-            </a:r>
-            <a:r>
-              <a:rPr lang="en-GB" i="1" baseline="-25000" dirty="0"/>
-              <a:t>true</a:t>
-            </a:r>
-            <a:r>
-              <a:rPr lang="en-GB" baseline="30000" dirty="0"/>
-              <a:t>2</a:t>
-            </a:r>
-            <a:r>
-              <a:rPr lang="en-GB" i="1" dirty="0"/>
-              <a:t> + sd</a:t>
-            </a:r>
-            <a:r>
-              <a:rPr lang="en-GB" i="1" baseline="-25000" dirty="0"/>
-              <a:t>err</a:t>
-            </a:r>
-            <a:r>
-              <a:rPr lang="en-GB" baseline="30000" dirty="0"/>
-              <a:t>2</a:t>
-            </a:r>
-            <a:r>
-              <a:rPr lang="en-GB" dirty="0"/>
-              <a:t> </a:t>
-            </a:r>
-            <a:endParaRPr lang="en-GB" sz="1400" dirty="0"/>
+              <a:t>Average UK height in 2021 was 169.15cm. Your own height is 169.15 ± error</a:t>
+            </a:r>
           </a:p>
         </p:txBody>
       </p:sp>
@@ -4873,20 +5012,32 @@
           <a:p>
             <a:pPr lvl="1"/>
             <a:r>
-              <a:rPr lang="en-GB" dirty="0"/>
+              <a:rPr lang="en-GB" dirty="0">
+                <a:solidFill>
+                  <a:schemeClr val="tx1"/>
+                </a:solidFill>
+              </a:rPr>
               <a:t>Two variables are related</a:t>
             </a:r>
           </a:p>
           <a:p>
             <a:pPr lvl="1"/>
             <a:r>
-              <a:rPr lang="en-GB" dirty="0"/>
+              <a:rPr lang="en-GB" dirty="0">
+                <a:solidFill>
+                  <a:schemeClr val="tx1"/>
+                </a:solidFill>
+              </a:rPr>
               <a:t>An experimental manipulation will affect another variable</a:t>
             </a:r>
           </a:p>
           <a:p>
             <a:pPr lvl="1"/>
-            <a:endParaRPr lang="en-GB" dirty="0"/>
+            <a:endParaRPr lang="en-GB" dirty="0">
+              <a:solidFill>
+                <a:schemeClr val="tx1"/>
+              </a:solidFill>
+            </a:endParaRPr>
           </a:p>
           <a:p>
             <a:r>
@@ -4897,20 +5048,32 @@
           <a:p>
             <a:pPr lvl="1"/>
             <a:r>
-              <a:rPr lang="en-GB" dirty="0"/>
+              <a:rPr lang="en-GB" dirty="0">
+                <a:solidFill>
+                  <a:schemeClr val="tx1"/>
+                </a:solidFill>
+              </a:rPr>
               <a:t>Two variables are not related</a:t>
             </a:r>
           </a:p>
           <a:p>
             <a:pPr lvl="1"/>
             <a:r>
-              <a:rPr lang="en-GB" dirty="0"/>
+              <a:rPr lang="en-GB" dirty="0">
+                <a:solidFill>
+                  <a:schemeClr val="tx1"/>
+                </a:solidFill>
+              </a:rPr>
               <a:t>The experimental manipulation has no effect</a:t>
             </a:r>
           </a:p>
           <a:p>
             <a:pPr lvl="1"/>
-            <a:endParaRPr lang="en-GB" dirty="0"/>
+            <a:endParaRPr lang="en-GB" dirty="0">
+              <a:solidFill>
+                <a:schemeClr val="tx1"/>
+              </a:solidFill>
+            </a:endParaRPr>
           </a:p>
           <a:p>
             <a:r>
@@ -4925,41 +5088,73 @@
           <a:p>
             <a:pPr lvl="1"/>
             <a:r>
-              <a:rPr lang="en-GB" dirty="0"/>
+              <a:rPr lang="en-GB" dirty="0">
+                <a:solidFill>
+                  <a:schemeClr val="tx1"/>
+                </a:solidFill>
+              </a:rPr>
               <a:t>A p-value of 0.05 tells us that 5% of the time when we find an effect like this, the null hypothesis is true (a </a:t>
             </a:r>
             <a:r>
-              <a:rPr lang="en-GB" b="1" dirty="0"/>
+              <a:rPr lang="en-GB" b="1" dirty="0">
+                <a:solidFill>
+                  <a:schemeClr val="tx1"/>
+                </a:solidFill>
+              </a:rPr>
               <a:t>false positive</a:t>
             </a:r>
             <a:r>
-              <a:rPr lang="en-GB" dirty="0"/>
+              <a:rPr lang="en-GB" dirty="0">
+                <a:solidFill>
+                  <a:schemeClr val="tx1"/>
+                </a:solidFill>
+              </a:rPr>
               <a:t>)</a:t>
             </a:r>
           </a:p>
           <a:p>
             <a:pPr lvl="1"/>
-            <a:endParaRPr lang="en-GB" dirty="0"/>
+            <a:endParaRPr lang="en-GB" dirty="0">
+              <a:solidFill>
+                <a:schemeClr val="tx1"/>
+              </a:solidFill>
+            </a:endParaRPr>
           </a:p>
           <a:p>
             <a:pPr lvl="1"/>
             <a:r>
-              <a:rPr lang="en-GB" dirty="0"/>
+              <a:rPr lang="en-GB" dirty="0">
+                <a:solidFill>
+                  <a:schemeClr val="tx1"/>
+                </a:solidFill>
+              </a:rPr>
               <a:t>If the p-value is less than 0.001, we write by convention: </a:t>
             </a:r>
             <a:r>
-              <a:rPr lang="en-GB" i="1" dirty="0"/>
+              <a:rPr lang="en-GB" i="1" dirty="0">
+                <a:solidFill>
+                  <a:schemeClr val="tx1"/>
+                </a:solidFill>
+              </a:rPr>
               <a:t>p</a:t>
             </a:r>
             <a:r>
-              <a:rPr lang="en-GB" dirty="0"/>
+              <a:rPr lang="en-GB" dirty="0">
+                <a:solidFill>
+                  <a:schemeClr val="tx1"/>
+                </a:solidFill>
+              </a:rPr>
               <a:t> &lt; .001</a:t>
             </a:r>
           </a:p>
           <a:p>
             <a:pPr lvl="2"/>
             <a:r>
-              <a:rPr lang="en-GB" dirty="0"/>
+              <a:rPr lang="en-GB" dirty="0">
+                <a:solidFill>
+                  <a:schemeClr val="tx1"/>
+                </a:solidFill>
+              </a:rPr>
               <a:t>If there’s a chance less than one in a thousand that we find this effect when the null hypothesis is true then we’re quite confident in our result</a:t>
             </a:r>
           </a:p>
@@ -5441,38 +5636,13 @@
           <a:p>
             <a:r>
               <a:rPr lang="en-GB" dirty="0"/>
-              <a:t>If data do not fit a normal distribution, then we need to use </a:t>
-            </a:r>
-            <a:r>
-              <a:rPr lang="en-GB" dirty="0">
-                <a:solidFill>
-                  <a:schemeClr val="tx1">
-                    <a:lumMod val="65000"/>
-                    <a:lumOff val="35000"/>
-                  </a:schemeClr>
-                </a:solidFill>
-              </a:rPr>
-              <a:t>“non-parametric” statistical tests – they are </a:t>
-            </a:r>
-            <a:r>
-              <a:rPr lang="en-GB" i="1" dirty="0">
-                <a:solidFill>
-                  <a:schemeClr val="tx1">
-                    <a:lumMod val="65000"/>
-                    <a:lumOff val="35000"/>
-                  </a:schemeClr>
-                </a:solidFill>
-              </a:rPr>
+              <a:t>If data do not fit a normal distribution, then we need to use “non-parametric” statistical tests – they are </a:t>
+            </a:r>
+            <a:r>
+              <a:rPr lang="en-GB" i="1" dirty="0"/>
               <a:t>“distribution free”</a:t>
             </a:r>
-            <a:endParaRPr lang="en-GB" dirty="0">
-              <a:solidFill>
-                <a:schemeClr val="tx1">
-                  <a:lumMod val="65000"/>
-                  <a:lumOff val="35000"/>
-                </a:schemeClr>
-              </a:solidFill>
-            </a:endParaRPr>
+            <a:endParaRPr lang="en-GB" dirty="0"/>
           </a:p>
           <a:p>
             <a:endParaRPr lang="en-GB" dirty="0"/>
@@ -5577,28 +5747,14 @@
           <a:p>
             <a:pPr marL="565150" indent="-457200"/>
             <a:r>
-              <a:rPr lang="en-GB" altLang="en-US" dirty="0">
-                <a:solidFill>
-                  <a:schemeClr val="tx1">
-                    <a:lumMod val="65000"/>
-                    <a:lumOff val="35000"/>
-                  </a:schemeClr>
-                </a:solidFill>
-              </a:rPr>
+              <a:rPr lang="en-GB" altLang="en-US" dirty="0"/>
               <a:t>The ship Titanic sank in 1912 with the loss of most of its passengers</a:t>
             </a:r>
           </a:p>
           <a:p>
             <a:pPr marL="565150" indent="-457200"/>
             <a:r>
-              <a:rPr lang="en-GB" altLang="en-US" dirty="0">
-                <a:solidFill>
-                  <a:schemeClr val="tx1">
-                    <a:lumMod val="65000"/>
-                    <a:lumOff val="35000"/>
-                  </a:schemeClr>
-                </a:solidFill>
-              </a:rPr>
+              <a:rPr lang="en-GB" altLang="en-US" dirty="0"/>
               <a:t>809 of the 1,309 passengers and crew died</a:t>
             </a:r>
           </a:p>
@@ -5607,59 +5763,20 @@
               <a:buNone/>
             </a:pPr>
             <a:r>
-              <a:rPr lang="en-GB" altLang="en-US" sz="3200" dirty="0">
-                <a:solidFill>
-                  <a:schemeClr val="tx1">
-                    <a:lumMod val="65000"/>
-                    <a:lumOff val="35000"/>
-                  </a:schemeClr>
-                </a:solidFill>
-              </a:rPr>
+              <a:rPr lang="en-GB" altLang="en-US" sz="3200" dirty="0"/>
               <a:t>= 61.8%</a:t>
             </a:r>
           </a:p>
           <a:p>
             <a:pPr marL="565150" indent="-457200"/>
             <a:r>
-              <a:rPr lang="en-GB" b="1" dirty="0">
-                <a:solidFill>
-                  <a:schemeClr val="tx1">
-                    <a:lumMod val="65000"/>
-                    <a:lumOff val="35000"/>
-                  </a:schemeClr>
-                </a:solidFill>
-              </a:rPr>
+              <a:rPr lang="en-GB" b="1" dirty="0"/>
               <a:t>Research question: </a:t>
             </a:r>
             <a:r>
-              <a:rPr lang="en-GB" dirty="0">
-                <a:solidFill>
-                  <a:schemeClr val="tx1">
-                    <a:lumMod val="65000"/>
-                    <a:lumOff val="35000"/>
-                  </a:schemeClr>
-                </a:solidFill>
-              </a:rPr>
+              <a:rPr lang="en-GB" dirty="0"/>
               <a:t>Did class (of travel) affect survival?</a:t>
             </a:r>
-          </a:p>
-          <a:p>
-            <a:pPr marL="107950" indent="0">
-              <a:buNone/>
-            </a:pPr>
-            <a:endParaRPr lang="en-GB" altLang="en-US" dirty="0"/>
-          </a:p>
-          <a:p>
-            <a:pPr marL="107950" indent="0">
-              <a:buNone/>
-            </a:pPr>
-            <a:endParaRPr lang="en-GB" altLang="en-US" dirty="0"/>
-          </a:p>
-          <a:p>
-            <a:pPr marL="107950" indent="0">
-              <a:buNone/>
-            </a:pPr>
-            <a:endParaRPr lang="en-GB" altLang="en-US" dirty="0"/>
           </a:p>
         </p:txBody>
       </p:sp>
@@ -7227,7 +7344,7 @@
                   </a:schemeClr>
                 </a:solidFill>
               </a:rPr>
-              <a:t>The Chi-squared test is used when we want to see if two  categorical variables are related</a:t>
+              <a:t>The Chi-squared test is used when we want to see if two categorical variables are related</a:t>
             </a:r>
           </a:p>
           <a:p>
@@ -11662,6 +11779,33 @@
                                   </p:childTnLst>
                                 </p:cTn>
                               </p:par>
+                              <p:par>
+                                <p:cTn id="22" presetID="1" presetClass="entr" presetSubtype="0" fill="hold" grpId="0" nodeType="withEffect">
+                                  <p:stCondLst>
+                                    <p:cond delay="0"/>
+                                  </p:stCondLst>
+                                  <p:childTnLst>
+                                    <p:set>
+                                      <p:cBhvr>
+                                        <p:cTn id="23" dur="1" fill="hold">
+                                          <p:stCondLst>
+                                            <p:cond delay="0"/>
+                                          </p:stCondLst>
+                                        </p:cTn>
+                                        <p:tgtEl>
+                                          <p:spTgt spid="2"/>
+                                        </p:tgtEl>
+                                        <p:attrNameLst>
+                                          <p:attrName>style.visibility</p:attrName>
+                                        </p:attrNameLst>
+                                      </p:cBhvr>
+                                      <p:to>
+                                        <p:strVal val="visible"/>
+                                      </p:to>
+                                    </p:set>
+                                  </p:childTnLst>
+                                </p:cTn>
+                              </p:par>
                             </p:childTnLst>
                           </p:cTn>
                         </p:par>
@@ -11691,6 +11835,7 @@
     </p:tnLst>
     <p:bldLst>
       <p:bldP spid="9" grpId="0" animBg="1"/>
+      <p:bldP spid="2" grpId="0"/>
       <p:bldP spid="11" grpId="0" animBg="1"/>
     </p:bldLst>
   </p:timing>
@@ -11808,7 +11953,7 @@
         <p:spPr>
           <a:xfrm>
             <a:off x="6349000" y="1646562"/>
-            <a:ext cx="4301424" cy="4093428"/>
+            <a:ext cx="4301424" cy="4708981"/>
           </a:xfrm>
           <a:prstGeom prst="rect">
             <a:avLst/>
@@ -11822,148 +11967,67 @@
           <a:lstStyle/>
           <a:p>
             <a:r>
+              <a:rPr lang="en-GB" sz="2000" dirty="0"/>
+              <a:t>Data collected on 1309 passengers aboard the Titanic was used to investigate whether class had an effect on chances of survival. There was evidence (</a:t>
+            </a:r>
+            <a:r>
               <a:rPr lang="en-GB" sz="2000" dirty="0">
-                <a:solidFill>
-                  <a:schemeClr val="tx1">
-                    <a:lumMod val="65000"/>
-                    <a:lumOff val="35000"/>
-                  </a:schemeClr>
-                </a:solidFill>
-              </a:rPr>
-              <a:t>Data collected on 1309 passengers aboard the Titanic was used to investigate whether class had an effect on chances of survival. There was evidence (</a:t>
-            </a:r>
-            <a:r>
-              <a:rPr lang="en-GB" sz="2000" dirty="0">
-                <a:solidFill>
-                  <a:schemeClr val="tx1">
-                    <a:lumMod val="65000"/>
-                    <a:lumOff val="35000"/>
-                  </a:schemeClr>
-                </a:solidFill>
                 <a:latin typeface="Symbol" panose="05050102010706020507" pitchFamily="18" charset="2"/>
               </a:rPr>
               <a:t>c</a:t>
             </a:r>
             <a:r>
-              <a:rPr lang="en-GB" sz="2000" baseline="30000" dirty="0">
-                <a:solidFill>
-                  <a:schemeClr val="tx1">
-                    <a:lumMod val="65000"/>
-                    <a:lumOff val="35000"/>
-                  </a:schemeClr>
-                </a:solidFill>
-              </a:rPr>
+              <a:rPr lang="en-GB" sz="2000" baseline="30000" dirty="0"/>
               <a:t>2</a:t>
             </a:r>
             <a:r>
-              <a:rPr lang="en-GB" sz="2000" dirty="0">
-                <a:solidFill>
-                  <a:schemeClr val="tx1">
-                    <a:lumMod val="65000"/>
-                    <a:lumOff val="35000"/>
-                  </a:schemeClr>
-                </a:solidFill>
-              </a:rPr>
+              <a:rPr lang="en-GB" sz="2000" dirty="0"/>
               <a:t>(2, N = 1309) = 127.86, </a:t>
             </a:r>
             <a:r>
-              <a:rPr lang="en-GB" sz="2000" i="1" dirty="0">
-                <a:solidFill>
-                  <a:schemeClr val="tx1">
-                    <a:lumMod val="65000"/>
-                    <a:lumOff val="35000"/>
-                  </a:schemeClr>
-                </a:solidFill>
-              </a:rPr>
+              <a:rPr lang="en-GB" sz="2000" i="1" dirty="0"/>
               <a:t>p</a:t>
             </a:r>
             <a:r>
-              <a:rPr lang="en-GB" sz="2000" dirty="0">
-                <a:solidFill>
-                  <a:schemeClr val="tx1">
-                    <a:lumMod val="65000"/>
-                    <a:lumOff val="35000"/>
-                  </a:schemeClr>
-                </a:solidFill>
-              </a:rPr>
+              <a:rPr lang="en-GB" sz="2000" dirty="0"/>
               <a:t> &lt; 0.001) to suggest that there is an association between class and survival.</a:t>
             </a:r>
           </a:p>
           <a:p>
-            <a:endParaRPr lang="en-GB" sz="2000" dirty="0">
-              <a:solidFill>
-                <a:schemeClr val="tx1">
-                  <a:lumMod val="65000"/>
-                  <a:lumOff val="35000"/>
-                </a:schemeClr>
-              </a:solidFill>
-            </a:endParaRPr>
-          </a:p>
-          <a:p>
-            <a:r>
-              <a:rPr lang="en-GB" sz="2000" i="1" dirty="0">
-                <a:solidFill>
-                  <a:schemeClr val="tx1">
-                    <a:lumMod val="65000"/>
-                    <a:lumOff val="35000"/>
-                  </a:schemeClr>
-                </a:solidFill>
-              </a:rPr>
+            <a:endParaRPr lang="en-GB" sz="2000" dirty="0"/>
+          </a:p>
+          <a:p>
+            <a:r>
+              <a:rPr lang="en-GB" sz="2000" b="1" dirty="0"/>
+              <a:t>How would you interpret this finding?</a:t>
+            </a:r>
+          </a:p>
+          <a:p>
+            <a:endParaRPr lang="en-GB" sz="2000" dirty="0"/>
+          </a:p>
+          <a:p>
+            <a:r>
+              <a:rPr lang="en-GB" sz="2000" i="1" dirty="0"/>
               <a:t>Figure 1 </a:t>
             </a:r>
             <a:r>
-              <a:rPr lang="en-GB" sz="2000" dirty="0">
-                <a:solidFill>
-                  <a:schemeClr val="tx1">
-                    <a:lumMod val="65000"/>
-                    <a:lumOff val="35000"/>
-                  </a:schemeClr>
-                </a:solidFill>
-              </a:rPr>
+              <a:rPr lang="en-GB" sz="2000" dirty="0"/>
               <a:t>shows that class and chances of survival were related.  As class decreases, the percentage of those surviving also decreases from 62% in 1</a:t>
             </a:r>
             <a:r>
-              <a:rPr lang="en-GB" sz="2000" baseline="30000" dirty="0">
-                <a:solidFill>
-                  <a:schemeClr val="tx1">
-                    <a:lumMod val="65000"/>
-                    <a:lumOff val="35000"/>
-                  </a:schemeClr>
-                </a:solidFill>
-              </a:rPr>
+              <a:rPr lang="en-GB" sz="2000" baseline="30000" dirty="0"/>
               <a:t>st</a:t>
             </a:r>
             <a:r>
-              <a:rPr lang="en-GB" sz="2000" dirty="0">
-                <a:solidFill>
-                  <a:schemeClr val="tx1">
-                    <a:lumMod val="65000"/>
-                    <a:lumOff val="35000"/>
-                  </a:schemeClr>
-                </a:solidFill>
-              </a:rPr>
+              <a:rPr lang="en-GB" sz="2000" dirty="0"/>
               <a:t> Class to 26% in 3</a:t>
             </a:r>
             <a:r>
-              <a:rPr lang="en-GB" sz="2000" baseline="30000" dirty="0">
-                <a:solidFill>
-                  <a:schemeClr val="tx1">
-                    <a:lumMod val="65000"/>
-                    <a:lumOff val="35000"/>
-                  </a:schemeClr>
-                </a:solidFill>
-              </a:rPr>
+              <a:rPr lang="en-GB" sz="2000" baseline="30000" dirty="0"/>
               <a:t>rd</a:t>
             </a:r>
             <a:r>
-              <a:rPr lang="en-GB" sz="2000" dirty="0">
-                <a:solidFill>
-                  <a:schemeClr val="tx1">
-                    <a:lumMod val="65000"/>
-                    <a:lumOff val="35000"/>
-                  </a:schemeClr>
-                </a:solidFill>
-              </a:rPr>
+              <a:rPr lang="en-GB" sz="2000" dirty="0"/>
               <a:t> Class.</a:t>
             </a:r>
           </a:p>
@@ -12079,6 +12143,85 @@
     <a:masterClrMapping/>
   </p:clrMapOvr>
   <p:transition/>
+  <p:timing>
+    <p:tnLst>
+      <p:par>
+        <p:cTn id="1" dur="indefinite" restart="never" nodeType="tmRoot">
+          <p:childTnLst>
+            <p:seq concurrent="1" nextAc="seek">
+              <p:cTn id="2" dur="indefinite" nodeType="mainSeq">
+                <p:childTnLst>
+                  <p:par>
+                    <p:cTn id="3" fill="hold">
+                      <p:stCondLst>
+                        <p:cond delay="indefinite"/>
+                      </p:stCondLst>
+                      <p:childTnLst>
+                        <p:par>
+                          <p:cTn id="4" fill="hold">
+                            <p:stCondLst>
+                              <p:cond delay="0"/>
+                            </p:stCondLst>
+                            <p:childTnLst>
+                              <p:par>
+                                <p:cTn id="5" presetID="1" presetClass="entr" presetSubtype="0" fill="hold" nodeType="clickEffect">
+                                  <p:stCondLst>
+                                    <p:cond delay="0"/>
+                                  </p:stCondLst>
+                                  <p:childTnLst>
+                                    <p:set>
+                                      <p:cBhvr>
+                                        <p:cTn id="6" dur="1" fill="hold">
+                                          <p:stCondLst>
+                                            <p:cond delay="0"/>
+                                          </p:stCondLst>
+                                        </p:cTn>
+                                        <p:tgtEl>
+                                          <p:spTgt spid="2">
+                                            <p:txEl>
+                                              <p:pRg st="4" end="4"/>
+                                            </p:txEl>
+                                          </p:spTgt>
+                                        </p:tgtEl>
+                                        <p:attrNameLst>
+                                          <p:attrName>style.visibility</p:attrName>
+                                        </p:attrNameLst>
+                                      </p:cBhvr>
+                                      <p:to>
+                                        <p:strVal val="visible"/>
+                                      </p:to>
+                                    </p:set>
+                                  </p:childTnLst>
+                                </p:cTn>
+                              </p:par>
+                            </p:childTnLst>
+                          </p:cTn>
+                        </p:par>
+                      </p:childTnLst>
+                    </p:cTn>
+                  </p:par>
+                </p:childTnLst>
+              </p:cTn>
+              <p:prevCondLst>
+                <p:cond evt="onPrev" delay="0">
+                  <p:tgtEl>
+                    <p:sldTgt/>
+                  </p:tgtEl>
+                </p:cond>
+              </p:prevCondLst>
+              <p:nextCondLst>
+                <p:cond evt="onNext" delay="0">
+                  <p:tgtEl>
+                    <p:sldTgt/>
+                  </p:tgtEl>
+                </p:cond>
+              </p:nextCondLst>
+            </p:seq>
+          </p:childTnLst>
+        </p:cTn>
+      </p:par>
+    </p:tnLst>
+  </p:timing>
 </p:sld>
 </file>
 
@@ -12270,822 +12413,6 @@
           <a:chExt cx="0" cy="0"/>
         </a:xfrm>
       </p:grpSpPr>
-      <p:graphicFrame>
-        <p:nvGraphicFramePr>
-          <p:cNvPr id="6" name="Table 5" descr="Table of death, survivors, and total numbers in columns and travel class 1st/2nd/3rd/total in rows for teenitinic data set." title="teenitinic data table">
-            <a:extLst>
-              <a:ext uri="{FF2B5EF4-FFF2-40B4-BE49-F238E27FC236}">
-                <a16:creationId xmlns:a16="http://schemas.microsoft.com/office/drawing/2014/main" id="{ABDF0F22-A59D-4349-83C7-B393AB509943}"/>
-              </a:ext>
-            </a:extLst>
-          </p:cNvPr>
-          <p:cNvGraphicFramePr>
-            <a:graphicFrameLocks noGrp="1"/>
-          </p:cNvGraphicFramePr>
-          <p:nvPr/>
-        </p:nvGraphicFramePr>
-        <p:xfrm>
-          <a:off x="6259066" y="4121244"/>
-          <a:ext cx="4242816" cy="2047905"/>
-        </p:xfrm>
-        <a:graphic>
-          <a:graphicData uri="http://schemas.openxmlformats.org/drawingml/2006/table">
-            <a:tbl>
-              <a:tblPr firstRow="1" bandRow="1">
-                <a:tableStyleId>{5C22544A-7EE6-4342-B048-85BDC9FD1C3A}</a:tableStyleId>
-              </a:tblPr>
-              <a:tblGrid>
-                <a:gridCol w="1060704">
-                  <a:extLst>
-                    <a:ext uri="{9D8B030D-6E8A-4147-A177-3AD203B41FA5}">
-                      <a16:colId xmlns:a16="http://schemas.microsoft.com/office/drawing/2014/main" val="470653079"/>
-                    </a:ext>
-                  </a:extLst>
-                </a:gridCol>
-                <a:gridCol w="1060704">
-                  <a:extLst>
-                    <a:ext uri="{9D8B030D-6E8A-4147-A177-3AD203B41FA5}">
-                      <a16:colId xmlns:a16="http://schemas.microsoft.com/office/drawing/2014/main" val="415938848"/>
-                    </a:ext>
-                  </a:extLst>
-                </a:gridCol>
-                <a:gridCol w="1060704">
-                  <a:extLst>
-                    <a:ext uri="{9D8B030D-6E8A-4147-A177-3AD203B41FA5}">
-                      <a16:colId xmlns:a16="http://schemas.microsoft.com/office/drawing/2014/main" val="1272935926"/>
-                    </a:ext>
-                  </a:extLst>
-                </a:gridCol>
-                <a:gridCol w="1060704">
-                  <a:extLst>
-                    <a:ext uri="{9D8B030D-6E8A-4147-A177-3AD203B41FA5}">
-                      <a16:colId xmlns:a16="http://schemas.microsoft.com/office/drawing/2014/main" val="771408019"/>
-                    </a:ext>
-                  </a:extLst>
-                </a:gridCol>
-              </a:tblGrid>
-              <a:tr h="409581">
-                <a:tc>
-                  <a:txBody>
-                    <a:bodyPr/>
-                    <a:lstStyle/>
-                    <a:p>
-                      <a:r>
-                        <a:rPr lang="en-US" dirty="0"/>
-                        <a:t>Class</a:t>
-                      </a:r>
-                    </a:p>
-                  </a:txBody>
-                  <a:tcPr/>
-                </a:tc>
-                <a:tc>
-                  <a:txBody>
-                    <a:bodyPr/>
-                    <a:lstStyle/>
-                    <a:p>
-                      <a:pPr algn="ctr"/>
-                      <a:r>
-                        <a:rPr lang="en-US" dirty="0"/>
-                        <a:t>Died</a:t>
-                      </a:r>
-                    </a:p>
-                  </a:txBody>
-                  <a:tcPr/>
-                </a:tc>
-                <a:tc>
-                  <a:txBody>
-                    <a:bodyPr/>
-                    <a:lstStyle/>
-                    <a:p>
-                      <a:pPr algn="ctr"/>
-                      <a:r>
-                        <a:rPr lang="en-US" dirty="0"/>
-                        <a:t>Survived</a:t>
-                      </a:r>
-                    </a:p>
-                  </a:txBody>
-                  <a:tcPr/>
-                </a:tc>
-                <a:tc>
-                  <a:txBody>
-                    <a:bodyPr/>
-                    <a:lstStyle/>
-                    <a:p>
-                      <a:pPr algn="ctr"/>
-                      <a:r>
-                        <a:rPr lang="en-US" dirty="0"/>
-                        <a:t>Total</a:t>
-                      </a:r>
-                    </a:p>
-                  </a:txBody>
-                  <a:tcPr/>
-                </a:tc>
-                <a:extLst>
-                  <a:ext uri="{0D108BD9-81ED-4DB2-BD59-A6C34878D82A}">
-                    <a16:rowId xmlns:a16="http://schemas.microsoft.com/office/drawing/2014/main" val="1733849783"/>
-                  </a:ext>
-                </a:extLst>
-              </a:tr>
-              <a:tr h="409581">
-                <a:tc>
-                  <a:txBody>
-                    <a:bodyPr/>
-                    <a:lstStyle/>
-                    <a:p>
-                      <a:pPr algn="ctr"/>
-                      <a:r>
-                        <a:rPr lang="en-US" dirty="0"/>
-                        <a:t>1st</a:t>
-                      </a:r>
-                    </a:p>
-                  </a:txBody>
-                  <a:tcPr/>
-                </a:tc>
-                <a:tc>
-                  <a:txBody>
-                    <a:bodyPr/>
-                    <a:lstStyle/>
-                    <a:p>
-                      <a:pPr algn="ctr"/>
-                      <a:r>
-                        <a:rPr lang="en-US" dirty="0"/>
-                        <a:t>61</a:t>
-                      </a:r>
-                    </a:p>
-                  </a:txBody>
-                  <a:tcPr/>
-                </a:tc>
-                <a:tc>
-                  <a:txBody>
-                    <a:bodyPr/>
-                    <a:lstStyle/>
-                    <a:p>
-                      <a:pPr algn="ctr"/>
-                      <a:r>
-                        <a:rPr lang="en-US" dirty="0"/>
-                        <a:t>100</a:t>
-                      </a:r>
-                    </a:p>
-                  </a:txBody>
-                  <a:tcPr/>
-                </a:tc>
-                <a:tc>
-                  <a:txBody>
-                    <a:bodyPr/>
-                    <a:lstStyle/>
-                    <a:p>
-                      <a:pPr algn="ctr"/>
-                      <a:r>
-                        <a:rPr lang="en-US" dirty="0">
-                          <a:solidFill>
-                            <a:schemeClr val="bg1">
-                              <a:lumMod val="65000"/>
-                            </a:schemeClr>
-                          </a:solidFill>
-                        </a:rPr>
-                        <a:t>161</a:t>
-                      </a:r>
-                    </a:p>
-                  </a:txBody>
-                  <a:tcPr/>
-                </a:tc>
-                <a:extLst>
-                  <a:ext uri="{0D108BD9-81ED-4DB2-BD59-A6C34878D82A}">
-                    <a16:rowId xmlns:a16="http://schemas.microsoft.com/office/drawing/2014/main" val="155369902"/>
-                  </a:ext>
-                </a:extLst>
-              </a:tr>
-              <a:tr h="409581">
-                <a:tc>
-                  <a:txBody>
-                    <a:bodyPr/>
-                    <a:lstStyle/>
-                    <a:p>
-                      <a:pPr algn="ctr"/>
-                      <a:r>
-                        <a:rPr lang="en-US" dirty="0"/>
-                        <a:t>2nd</a:t>
-                      </a:r>
-                    </a:p>
-                  </a:txBody>
-                  <a:tcPr/>
-                </a:tc>
-                <a:tc>
-                  <a:txBody>
-                    <a:bodyPr/>
-                    <a:lstStyle/>
-                    <a:p>
-                      <a:pPr algn="ctr"/>
-                      <a:r>
-                        <a:rPr lang="en-US" dirty="0"/>
-                        <a:t>79</a:t>
-                      </a:r>
-                    </a:p>
-                  </a:txBody>
-                  <a:tcPr/>
-                </a:tc>
-                <a:tc>
-                  <a:txBody>
-                    <a:bodyPr/>
-                    <a:lstStyle/>
-                    <a:p>
-                      <a:pPr algn="ctr"/>
-                      <a:r>
-                        <a:rPr lang="en-US" dirty="0"/>
-                        <a:t>60</a:t>
-                      </a:r>
-                    </a:p>
-                  </a:txBody>
-                  <a:tcPr/>
-                </a:tc>
-                <a:tc>
-                  <a:txBody>
-                    <a:bodyPr/>
-                    <a:lstStyle/>
-                    <a:p>
-                      <a:pPr algn="ctr"/>
-                      <a:r>
-                        <a:rPr lang="en-US" dirty="0">
-                          <a:solidFill>
-                            <a:schemeClr val="bg1">
-                              <a:lumMod val="65000"/>
-                            </a:schemeClr>
-                          </a:solidFill>
-                        </a:rPr>
-                        <a:t>139</a:t>
-                      </a:r>
-                    </a:p>
-                  </a:txBody>
-                  <a:tcPr/>
-                </a:tc>
-                <a:extLst>
-                  <a:ext uri="{0D108BD9-81ED-4DB2-BD59-A6C34878D82A}">
-                    <a16:rowId xmlns:a16="http://schemas.microsoft.com/office/drawing/2014/main" val="3068685177"/>
-                  </a:ext>
-                </a:extLst>
-              </a:tr>
-              <a:tr h="409581">
-                <a:tc>
-                  <a:txBody>
-                    <a:bodyPr/>
-                    <a:lstStyle/>
-                    <a:p>
-                      <a:pPr algn="ctr"/>
-                      <a:r>
-                        <a:rPr lang="en-US" dirty="0"/>
-                        <a:t>3rd</a:t>
-                      </a:r>
-                    </a:p>
-                  </a:txBody>
-                  <a:tcPr/>
-                </a:tc>
-                <a:tc>
-                  <a:txBody>
-                    <a:bodyPr/>
-                    <a:lstStyle/>
-                    <a:p>
-                      <a:pPr algn="ctr"/>
-                      <a:r>
-                        <a:rPr lang="en-US" dirty="0"/>
-                        <a:t>264</a:t>
-                      </a:r>
-                    </a:p>
-                  </a:txBody>
-                  <a:tcPr/>
-                </a:tc>
-                <a:tc>
-                  <a:txBody>
-                    <a:bodyPr/>
-                    <a:lstStyle/>
-                    <a:p>
-                      <a:pPr algn="ctr"/>
-                      <a:r>
-                        <a:rPr lang="en-US" dirty="0"/>
-                        <a:t>90</a:t>
-                      </a:r>
-                    </a:p>
-                  </a:txBody>
-                  <a:tcPr/>
-                </a:tc>
-                <a:tc>
-                  <a:txBody>
-                    <a:bodyPr/>
-                    <a:lstStyle/>
-                    <a:p>
-                      <a:pPr algn="ctr"/>
-                      <a:r>
-                        <a:rPr lang="en-US" dirty="0">
-                          <a:solidFill>
-                            <a:schemeClr val="bg1">
-                              <a:lumMod val="65000"/>
-                            </a:schemeClr>
-                          </a:solidFill>
-                        </a:rPr>
-                        <a:t>354</a:t>
-                      </a:r>
-                    </a:p>
-                  </a:txBody>
-                  <a:tcPr/>
-                </a:tc>
-                <a:extLst>
-                  <a:ext uri="{0D108BD9-81ED-4DB2-BD59-A6C34878D82A}">
-                    <a16:rowId xmlns:a16="http://schemas.microsoft.com/office/drawing/2014/main" val="3468409558"/>
-                  </a:ext>
-                </a:extLst>
-              </a:tr>
-              <a:tr h="409581">
-                <a:tc>
-                  <a:txBody>
-                    <a:bodyPr/>
-                    <a:lstStyle/>
-                    <a:p>
-                      <a:pPr algn="ctr"/>
-                      <a:r>
-                        <a:rPr lang="en-US" dirty="0"/>
-                        <a:t>Total</a:t>
-                      </a:r>
-                    </a:p>
-                  </a:txBody>
-                  <a:tcPr/>
-                </a:tc>
-                <a:tc>
-                  <a:txBody>
-                    <a:bodyPr/>
-                    <a:lstStyle/>
-                    <a:p>
-                      <a:pPr algn="ctr"/>
-                      <a:r>
-                        <a:rPr lang="en-US" dirty="0">
-                          <a:solidFill>
-                            <a:schemeClr val="bg1">
-                              <a:lumMod val="65000"/>
-                            </a:schemeClr>
-                          </a:solidFill>
-                        </a:rPr>
-                        <a:t>404</a:t>
-                      </a:r>
-                    </a:p>
-                  </a:txBody>
-                  <a:tcPr/>
-                </a:tc>
-                <a:tc>
-                  <a:txBody>
-                    <a:bodyPr/>
-                    <a:lstStyle/>
-                    <a:p>
-                      <a:pPr algn="ctr"/>
-                      <a:r>
-                        <a:rPr lang="en-US" dirty="0">
-                          <a:solidFill>
-                            <a:schemeClr val="bg1">
-                              <a:lumMod val="65000"/>
-                            </a:schemeClr>
-                          </a:solidFill>
-                        </a:rPr>
-                        <a:t>250</a:t>
-                      </a:r>
-                    </a:p>
-                  </a:txBody>
-                  <a:tcPr/>
-                </a:tc>
-                <a:tc>
-                  <a:txBody>
-                    <a:bodyPr/>
-                    <a:lstStyle/>
-                    <a:p>
-                      <a:pPr algn="ctr"/>
-                      <a:r>
-                        <a:rPr lang="en-US" dirty="0">
-                          <a:solidFill>
-                            <a:schemeClr val="bg1">
-                              <a:lumMod val="65000"/>
-                            </a:schemeClr>
-                          </a:solidFill>
-                        </a:rPr>
-                        <a:t>654</a:t>
-                      </a:r>
-                    </a:p>
-                  </a:txBody>
-                  <a:tcPr/>
-                </a:tc>
-                <a:extLst>
-                  <a:ext uri="{0D108BD9-81ED-4DB2-BD59-A6C34878D82A}">
-                    <a16:rowId xmlns:a16="http://schemas.microsoft.com/office/drawing/2014/main" val="3561304518"/>
-                  </a:ext>
-                </a:extLst>
-              </a:tr>
-            </a:tbl>
-          </a:graphicData>
-        </a:graphic>
-      </p:graphicFrame>
-      <p:graphicFrame>
-        <p:nvGraphicFramePr>
-          <p:cNvPr id="5" name="Table 4" descr="Table of death, survivors, and total numbers in columns and travel class 1st/2nd/3rd/total in rows." title="titanic data table">
-            <a:extLst>
-              <a:ext uri="{FF2B5EF4-FFF2-40B4-BE49-F238E27FC236}">
-                <a16:creationId xmlns:a16="http://schemas.microsoft.com/office/drawing/2014/main" id="{37ACFDEC-7834-D744-88B9-15BC77EBB24A}"/>
-              </a:ext>
-            </a:extLst>
-          </p:cNvPr>
-          <p:cNvGraphicFramePr>
-            <a:graphicFrameLocks noGrp="1"/>
-          </p:cNvGraphicFramePr>
-          <p:nvPr/>
-        </p:nvGraphicFramePr>
-        <p:xfrm>
-          <a:off x="1828800" y="4121245"/>
-          <a:ext cx="4242816" cy="2047905"/>
-        </p:xfrm>
-        <a:graphic>
-          <a:graphicData uri="http://schemas.openxmlformats.org/drawingml/2006/table">
-            <a:tbl>
-              <a:tblPr firstRow="1" bandRow="1">
-                <a:tableStyleId>{5C22544A-7EE6-4342-B048-85BDC9FD1C3A}</a:tableStyleId>
-              </a:tblPr>
-              <a:tblGrid>
-                <a:gridCol w="1060704">
-                  <a:extLst>
-                    <a:ext uri="{9D8B030D-6E8A-4147-A177-3AD203B41FA5}">
-                      <a16:colId xmlns:a16="http://schemas.microsoft.com/office/drawing/2014/main" val="470653079"/>
-                    </a:ext>
-                  </a:extLst>
-                </a:gridCol>
-                <a:gridCol w="1060704">
-                  <a:extLst>
-                    <a:ext uri="{9D8B030D-6E8A-4147-A177-3AD203B41FA5}">
-                      <a16:colId xmlns:a16="http://schemas.microsoft.com/office/drawing/2014/main" val="415938848"/>
-                    </a:ext>
-                  </a:extLst>
-                </a:gridCol>
-                <a:gridCol w="1060704">
-                  <a:extLst>
-                    <a:ext uri="{9D8B030D-6E8A-4147-A177-3AD203B41FA5}">
-                      <a16:colId xmlns:a16="http://schemas.microsoft.com/office/drawing/2014/main" val="1272935926"/>
-                    </a:ext>
-                  </a:extLst>
-                </a:gridCol>
-                <a:gridCol w="1060704">
-                  <a:extLst>
-                    <a:ext uri="{9D8B030D-6E8A-4147-A177-3AD203B41FA5}">
-                      <a16:colId xmlns:a16="http://schemas.microsoft.com/office/drawing/2014/main" val="771408019"/>
-                    </a:ext>
-                  </a:extLst>
-                </a:gridCol>
-              </a:tblGrid>
-              <a:tr h="409581">
-                <a:tc>
-                  <a:txBody>
-                    <a:bodyPr/>
-                    <a:lstStyle/>
-                    <a:p>
-                      <a:r>
-                        <a:rPr lang="en-US" dirty="0"/>
-                        <a:t>Class</a:t>
-                      </a:r>
-                    </a:p>
-                  </a:txBody>
-                  <a:tcPr/>
-                </a:tc>
-                <a:tc>
-                  <a:txBody>
-                    <a:bodyPr/>
-                    <a:lstStyle/>
-                    <a:p>
-                      <a:pPr algn="ctr"/>
-                      <a:r>
-                        <a:rPr lang="en-US" dirty="0"/>
-                        <a:t>Died</a:t>
-                      </a:r>
-                    </a:p>
-                  </a:txBody>
-                  <a:tcPr/>
-                </a:tc>
-                <a:tc>
-                  <a:txBody>
-                    <a:bodyPr/>
-                    <a:lstStyle/>
-                    <a:p>
-                      <a:pPr algn="ctr"/>
-                      <a:r>
-                        <a:rPr lang="en-US" dirty="0"/>
-                        <a:t>Survived</a:t>
-                      </a:r>
-                    </a:p>
-                  </a:txBody>
-                  <a:tcPr/>
-                </a:tc>
-                <a:tc>
-                  <a:txBody>
-                    <a:bodyPr/>
-                    <a:lstStyle/>
-                    <a:p>
-                      <a:pPr algn="ctr"/>
-                      <a:r>
-                        <a:rPr lang="en-US" dirty="0"/>
-                        <a:t>Total</a:t>
-                      </a:r>
-                    </a:p>
-                  </a:txBody>
-                  <a:tcPr/>
-                </a:tc>
-                <a:extLst>
-                  <a:ext uri="{0D108BD9-81ED-4DB2-BD59-A6C34878D82A}">
-                    <a16:rowId xmlns:a16="http://schemas.microsoft.com/office/drawing/2014/main" val="1733849783"/>
-                  </a:ext>
-                </a:extLst>
-              </a:tr>
-              <a:tr h="409581">
-                <a:tc>
-                  <a:txBody>
-                    <a:bodyPr/>
-                    <a:lstStyle/>
-                    <a:p>
-                      <a:pPr algn="ctr"/>
-                      <a:r>
-                        <a:rPr lang="en-US" dirty="0"/>
-                        <a:t>1st</a:t>
-                      </a:r>
-                    </a:p>
-                  </a:txBody>
-                  <a:tcPr/>
-                </a:tc>
-                <a:tc>
-                  <a:txBody>
-                    <a:bodyPr/>
-                    <a:lstStyle/>
-                    <a:p>
-                      <a:pPr algn="ctr"/>
-                      <a:r>
-                        <a:rPr lang="en-US" dirty="0"/>
-                        <a:t>123</a:t>
-                      </a:r>
-                    </a:p>
-                  </a:txBody>
-                  <a:tcPr/>
-                </a:tc>
-                <a:tc>
-                  <a:txBody>
-                    <a:bodyPr/>
-                    <a:lstStyle/>
-                    <a:p>
-                      <a:pPr algn="ctr"/>
-                      <a:r>
-                        <a:rPr lang="en-US" dirty="0"/>
-                        <a:t>200</a:t>
-                      </a:r>
-                    </a:p>
-                  </a:txBody>
-                  <a:tcPr/>
-                </a:tc>
-                <a:tc>
-                  <a:txBody>
-                    <a:bodyPr/>
-                    <a:lstStyle/>
-                    <a:p>
-                      <a:pPr algn="ctr"/>
-                      <a:r>
-                        <a:rPr lang="en-US" dirty="0">
-                          <a:solidFill>
-                            <a:schemeClr val="bg1">
-                              <a:lumMod val="65000"/>
-                            </a:schemeClr>
-                          </a:solidFill>
-                        </a:rPr>
-                        <a:t>323</a:t>
-                      </a:r>
-                    </a:p>
-                  </a:txBody>
-                  <a:tcPr/>
-                </a:tc>
-                <a:extLst>
-                  <a:ext uri="{0D108BD9-81ED-4DB2-BD59-A6C34878D82A}">
-                    <a16:rowId xmlns:a16="http://schemas.microsoft.com/office/drawing/2014/main" val="155369902"/>
-                  </a:ext>
-                </a:extLst>
-              </a:tr>
-              <a:tr h="409581">
-                <a:tc>
-                  <a:txBody>
-                    <a:bodyPr/>
-                    <a:lstStyle/>
-                    <a:p>
-                      <a:pPr algn="ctr"/>
-                      <a:r>
-                        <a:rPr lang="en-US" dirty="0"/>
-                        <a:t>2nd</a:t>
-                      </a:r>
-                    </a:p>
-                  </a:txBody>
-                  <a:tcPr/>
-                </a:tc>
-                <a:tc>
-                  <a:txBody>
-                    <a:bodyPr/>
-                    <a:lstStyle/>
-                    <a:p>
-                      <a:pPr algn="ctr"/>
-                      <a:r>
-                        <a:rPr lang="en-US" dirty="0"/>
-                        <a:t>158</a:t>
-                      </a:r>
-                    </a:p>
-                  </a:txBody>
-                  <a:tcPr/>
-                </a:tc>
-                <a:tc>
-                  <a:txBody>
-                    <a:bodyPr/>
-                    <a:lstStyle/>
-                    <a:p>
-                      <a:pPr algn="ctr"/>
-                      <a:r>
-                        <a:rPr lang="en-US" dirty="0"/>
-                        <a:t>119</a:t>
-                      </a:r>
-                    </a:p>
-                  </a:txBody>
-                  <a:tcPr/>
-                </a:tc>
-                <a:tc>
-                  <a:txBody>
-                    <a:bodyPr/>
-                    <a:lstStyle/>
-                    <a:p>
-                      <a:pPr algn="ctr"/>
-                      <a:r>
-                        <a:rPr lang="en-US" dirty="0">
-                          <a:solidFill>
-                            <a:schemeClr val="bg1">
-                              <a:lumMod val="65000"/>
-                            </a:schemeClr>
-                          </a:solidFill>
-                        </a:rPr>
-                        <a:t>277</a:t>
-                      </a:r>
-                    </a:p>
-                  </a:txBody>
-                  <a:tcPr/>
-                </a:tc>
-                <a:extLst>
-                  <a:ext uri="{0D108BD9-81ED-4DB2-BD59-A6C34878D82A}">
-                    <a16:rowId xmlns:a16="http://schemas.microsoft.com/office/drawing/2014/main" val="3068685177"/>
-                  </a:ext>
-                </a:extLst>
-              </a:tr>
-              <a:tr h="409581">
-                <a:tc>
-                  <a:txBody>
-                    <a:bodyPr/>
-                    <a:lstStyle/>
-                    <a:p>
-                      <a:pPr algn="ctr"/>
-                      <a:r>
-                        <a:rPr lang="en-US" dirty="0"/>
-                        <a:t>3rd</a:t>
-                      </a:r>
-                    </a:p>
-                  </a:txBody>
-                  <a:tcPr/>
-                </a:tc>
-                <a:tc>
-                  <a:txBody>
-                    <a:bodyPr/>
-                    <a:lstStyle/>
-                    <a:p>
-                      <a:pPr algn="ctr"/>
-                      <a:r>
-                        <a:rPr lang="en-US" dirty="0"/>
-                        <a:t>528</a:t>
-                      </a:r>
-                    </a:p>
-                  </a:txBody>
-                  <a:tcPr/>
-                </a:tc>
-                <a:tc>
-                  <a:txBody>
-                    <a:bodyPr/>
-                    <a:lstStyle/>
-                    <a:p>
-                      <a:pPr algn="ctr"/>
-                      <a:r>
-                        <a:rPr lang="en-US" dirty="0"/>
-                        <a:t>181</a:t>
-                      </a:r>
-                    </a:p>
-                  </a:txBody>
-                  <a:tcPr/>
-                </a:tc>
-                <a:tc>
-                  <a:txBody>
-                    <a:bodyPr/>
-                    <a:lstStyle/>
-                    <a:p>
-                      <a:pPr algn="ctr"/>
-                      <a:r>
-                        <a:rPr lang="en-US" dirty="0">
-                          <a:solidFill>
-                            <a:schemeClr val="bg1">
-                              <a:lumMod val="65000"/>
-                            </a:schemeClr>
-                          </a:solidFill>
-                        </a:rPr>
-                        <a:t>709</a:t>
-                      </a:r>
-                    </a:p>
-                  </a:txBody>
-                  <a:tcPr/>
-                </a:tc>
-                <a:extLst>
-                  <a:ext uri="{0D108BD9-81ED-4DB2-BD59-A6C34878D82A}">
-                    <a16:rowId xmlns:a16="http://schemas.microsoft.com/office/drawing/2014/main" val="3468409558"/>
-                  </a:ext>
-                </a:extLst>
-              </a:tr>
-              <a:tr h="409581">
-                <a:tc>
-                  <a:txBody>
-                    <a:bodyPr/>
-                    <a:lstStyle/>
-                    <a:p>
-                      <a:pPr algn="ctr"/>
-                      <a:r>
-                        <a:rPr lang="en-US" dirty="0"/>
-                        <a:t>Total</a:t>
-                      </a:r>
-                    </a:p>
-                  </a:txBody>
-                  <a:tcPr/>
-                </a:tc>
-                <a:tc>
-                  <a:txBody>
-                    <a:bodyPr/>
-                    <a:lstStyle/>
-                    <a:p>
-                      <a:pPr algn="ctr"/>
-                      <a:r>
-                        <a:rPr lang="en-US" dirty="0">
-                          <a:solidFill>
-                            <a:schemeClr val="bg1">
-                              <a:lumMod val="65000"/>
-                            </a:schemeClr>
-                          </a:solidFill>
-                        </a:rPr>
-                        <a:t>809</a:t>
-                      </a:r>
-                    </a:p>
-                  </a:txBody>
-                  <a:tcPr/>
-                </a:tc>
-                <a:tc>
-                  <a:txBody>
-                    <a:bodyPr/>
-                    <a:lstStyle/>
-                    <a:p>
-                      <a:pPr algn="ctr"/>
-                      <a:r>
-                        <a:rPr lang="en-US" dirty="0">
-                          <a:solidFill>
-                            <a:schemeClr val="bg1">
-                              <a:lumMod val="65000"/>
-                            </a:schemeClr>
-                          </a:solidFill>
-                        </a:rPr>
-                        <a:t>500</a:t>
-                      </a:r>
-                    </a:p>
-                  </a:txBody>
-                  <a:tcPr/>
-                </a:tc>
-                <a:tc>
-                  <a:txBody>
-                    <a:bodyPr/>
-                    <a:lstStyle/>
-                    <a:p>
-                      <a:pPr algn="ctr"/>
-                      <a:r>
-                        <a:rPr lang="en-US" dirty="0">
-                          <a:solidFill>
-                            <a:schemeClr val="bg1">
-                              <a:lumMod val="65000"/>
-                            </a:schemeClr>
-                          </a:solidFill>
-                        </a:rPr>
-                        <a:t>1309</a:t>
-                      </a:r>
-                    </a:p>
-                  </a:txBody>
-                  <a:tcPr/>
-                </a:tc>
-                <a:extLst>
-                  <a:ext uri="{0D108BD9-81ED-4DB2-BD59-A6C34878D82A}">
-                    <a16:rowId xmlns:a16="http://schemas.microsoft.com/office/drawing/2014/main" val="3561304518"/>
-                  </a:ext>
-                </a:extLst>
-              </a:tr>
-            </a:tbl>
-          </a:graphicData>
-        </a:graphic>
-      </p:graphicFrame>
       <p:sp>
         <p:nvSpPr>
           <p:cNvPr id="361475" name="Rectangle 3"/>
@@ -13098,7 +12425,7 @@
         </p:nvSpPr>
         <p:spPr>
           <a:xfrm>
-            <a:off x="1828801" y="1780032"/>
+            <a:off x="1805651" y="1794559"/>
             <a:ext cx="8931348" cy="4495800"/>
           </a:xfrm>
         </p:spPr>
@@ -13117,15 +12444,8 @@
               </a:buClr>
             </a:pPr>
             <a:r>
-              <a:rPr lang="en-GB" sz="2400" dirty="0">
-                <a:solidFill>
-                  <a:schemeClr val="tx1">
-                    <a:lumMod val="65000"/>
-                    <a:lumOff val="35000"/>
-                  </a:schemeClr>
-                </a:solidFill>
-              </a:rPr>
-              <a:t>How big is the relation between class and survival on the Titanic?</a:t>
+              <a:rPr lang="en-GB" sz="2200" dirty="0"/>
+              <a:t>Effect sizes tell us about the magnitude of the difference found.</a:t>
             </a:r>
           </a:p>
           <a:p>
@@ -13137,14 +12457,10 @@
                 <a:srgbClr val="2A196F"/>
               </a:buClr>
             </a:pPr>
-            <a:endParaRPr lang="en-GB" sz="2400" dirty="0">
-              <a:solidFill>
-                <a:schemeClr val="tx1">
-                  <a:lumMod val="65000"/>
-                  <a:lumOff val="35000"/>
-                </a:schemeClr>
-              </a:solidFill>
-            </a:endParaRPr>
+            <a:r>
+              <a:rPr lang="en-GB" sz="2200" dirty="0"/>
+              <a:t>How meaningful is the relationship that we have identified</a:t>
+            </a:r>
           </a:p>
           <a:p>
             <a:pPr>
@@ -13156,15 +12472,8 @@
               </a:buClr>
             </a:pPr>
             <a:r>
-              <a:rPr lang="en-GB" sz="2400" dirty="0">
-                <a:solidFill>
-                  <a:schemeClr val="tx1">
-                    <a:lumMod val="65000"/>
-                    <a:lumOff val="35000"/>
-                  </a:schemeClr>
-                </a:solidFill>
-              </a:rPr>
-              <a:t>Chi-squared doesn’t tell us about the size of the association between categories because Chi-squared gets bigger the larger the numbers get:</a:t>
+              <a:rPr lang="en-GB" sz="2200" dirty="0"/>
+              <a:t>In essence, how much should we care about our finding in terms of real-world use?</a:t>
             </a:r>
           </a:p>
           <a:p>
@@ -13176,82 +12485,34 @@
                 <a:srgbClr val="2A196F"/>
               </a:buClr>
             </a:pPr>
-            <a:r>
-              <a:rPr lang="en-GB" sz="2200" dirty="0">
-                <a:solidFill>
-                  <a:schemeClr val="tx1">
-                    <a:lumMod val="65000"/>
-                    <a:lumOff val="35000"/>
-                  </a:schemeClr>
-                </a:solidFill>
-              </a:rPr>
-              <a:t>Titanic: Chi</a:t>
-            </a:r>
-            <a:r>
-              <a:rPr lang="en-GB" sz="2200" baseline="30000" dirty="0">
-                <a:solidFill>
-                  <a:schemeClr val="tx1">
-                    <a:lumMod val="65000"/>
-                    <a:lumOff val="35000"/>
-                  </a:schemeClr>
-                </a:solidFill>
-              </a:rPr>
-              <a:t>2</a:t>
-            </a:r>
-            <a:r>
-              <a:rPr lang="en-GB" sz="2200" dirty="0">
-                <a:solidFill>
-                  <a:schemeClr val="tx1">
-                    <a:lumMod val="65000"/>
-                    <a:lumOff val="35000"/>
-                  </a:schemeClr>
-                </a:solidFill>
-              </a:rPr>
-              <a:t>(2, N = 1309) = 127.86    </a:t>
-            </a:r>
-            <a:r>
-              <a:rPr lang="en-GB" sz="2200" dirty="0" err="1">
-                <a:solidFill>
-                  <a:schemeClr val="tx1">
-                    <a:lumMod val="65000"/>
-                    <a:lumOff val="35000"/>
-                  </a:schemeClr>
-                </a:solidFill>
-              </a:rPr>
-              <a:t>Teenitanic</a:t>
-            </a:r>
-            <a:r>
-              <a:rPr lang="en-GB" sz="2200" dirty="0">
-                <a:solidFill>
-                  <a:schemeClr val="tx1">
-                    <a:lumMod val="65000"/>
-                    <a:lumOff val="35000"/>
-                  </a:schemeClr>
-                </a:solidFill>
-              </a:rPr>
-              <a:t>: Chi</a:t>
-            </a:r>
-            <a:r>
-              <a:rPr lang="en-GB" sz="2200" baseline="30000" dirty="0">
-                <a:solidFill>
-                  <a:schemeClr val="tx1">
-                    <a:lumMod val="65000"/>
-                    <a:lumOff val="35000"/>
-                  </a:schemeClr>
-                </a:solidFill>
-              </a:rPr>
-              <a:t>2</a:t>
-            </a:r>
-            <a:r>
-              <a:rPr lang="en-GB" sz="2200" dirty="0">
-                <a:solidFill>
-                  <a:schemeClr val="tx1">
-                    <a:lumMod val="65000"/>
-                    <a:lumOff val="35000"/>
-                  </a:schemeClr>
-                </a:solidFill>
-              </a:rPr>
-              <a:t> (2, N = 654) = 64.92</a:t>
+            <a:endParaRPr lang="en-GB" sz="2200" dirty="0"/>
+          </a:p>
+          <a:p>
+            <a:pPr>
+              <a:lnSpc>
+                <a:spcPct val="90000"/>
+              </a:lnSpc>
+              <a:buClr>
+                <a:srgbClr val="2A196F"/>
+              </a:buClr>
+            </a:pPr>
+            <a:r>
+              <a:rPr lang="en-GB" sz="2200" dirty="0"/>
+              <a:t>If a teaching approach improves class scores by 1 mark (and significantly so) compared to another, how useful is this really? Is it a meaningful improvement? What about when you consider the additional resources required?</a:t>
+            </a:r>
+          </a:p>
+          <a:p>
+            <a:pPr>
+              <a:lnSpc>
+                <a:spcPct val="90000"/>
+              </a:lnSpc>
+              <a:buClr>
+                <a:srgbClr val="2A196F"/>
+              </a:buClr>
+            </a:pPr>
+            <a:r>
+              <a:rPr lang="en-GB" sz="2200" dirty="0"/>
+              <a:t>If sitting in first class improves your survival likelihood by 2%, is this a useful statistic to consider when buying transatlantic tickets?</a:t>
             </a:r>
           </a:p>
         </p:txBody>
@@ -13274,7 +12535,7 @@
         </p:spPr>
         <p:txBody>
           <a:bodyPr>
-            <a:normAutofit fontScale="90000"/>
+            <a:noAutofit/>
           </a:bodyPr>
           <a:lstStyle/>
           <a:p>
@@ -13334,7 +12595,13 @@
           <p:cNvGraphicFramePr>
             <a:graphicFrameLocks noGrp="1"/>
           </p:cNvGraphicFramePr>
-          <p:nvPr/>
+          <p:nvPr>
+            <p:extLst>
+              <p:ext uri="{D42A27DB-BD31-4B8C-83A1-F6EECF244321}">
+                <p14:modId xmlns:p14="http://schemas.microsoft.com/office/powerpoint/2010/main" val="773647475"/>
+              </p:ext>
+            </p:extLst>
+          </p:nvPr>
         </p:nvGraphicFramePr>
         <p:xfrm>
           <a:off x="6259066" y="3799511"/>
@@ -14150,7 +13417,7 @@
         </p:nvSpPr>
         <p:spPr>
           <a:xfrm>
-            <a:off x="1828801" y="1812689"/>
+            <a:off x="1828800" y="1600201"/>
             <a:ext cx="8610599" cy="5401056"/>
           </a:xfrm>
         </p:spPr>
@@ -14169,14 +13436,7 @@
               </a:buClr>
             </a:pPr>
             <a:r>
-              <a:rPr lang="en-GB" sz="2400" dirty="0">
-                <a:solidFill>
-                  <a:schemeClr val="tx1">
-                    <a:lumMod val="65000"/>
-                    <a:lumOff val="35000"/>
-                  </a:schemeClr>
-                </a:solidFill>
-              </a:rPr>
+              <a:rPr lang="en-GB" sz="2400" dirty="0"/>
               <a:t>Cramer’s V adjusts for the number of observations</a:t>
             </a:r>
           </a:p>
@@ -14189,14 +13449,7 @@
                 <a:srgbClr val="2A196F"/>
               </a:buClr>
             </a:pPr>
-            <a:endParaRPr lang="en-GB" sz="2400" dirty="0">
-              <a:solidFill>
-                <a:schemeClr val="tx1">
-                  <a:lumMod val="65000"/>
-                  <a:lumOff val="35000"/>
-                </a:schemeClr>
-              </a:solidFill>
-            </a:endParaRPr>
+            <a:endParaRPr lang="en-GB" sz="2400" dirty="0"/>
           </a:p>
           <a:p>
             <a:pPr>
@@ -14208,14 +13461,7 @@
               </a:buClr>
             </a:pPr>
             <a:r>
-              <a:rPr lang="en-GB" sz="2400" dirty="0">
-                <a:solidFill>
-                  <a:schemeClr val="tx1">
-                    <a:lumMod val="65000"/>
-                    <a:lumOff val="35000"/>
-                  </a:schemeClr>
-                </a:solidFill>
-              </a:rPr>
+              <a:rPr lang="en-GB" sz="2400" dirty="0"/>
               <a:t>V = √ ( Chi-squared / (N * w) )</a:t>
             </a:r>
           </a:p>
@@ -14229,14 +13475,7 @@
               </a:buClr>
             </a:pPr>
             <a:r>
-              <a:rPr lang="en-GB" sz="2000" dirty="0">
-                <a:solidFill>
-                  <a:schemeClr val="tx1">
-                    <a:lumMod val="65000"/>
-                    <a:lumOff val="35000"/>
-                  </a:schemeClr>
-                </a:solidFill>
-              </a:rPr>
+              <a:rPr lang="en-GB" sz="2000" dirty="0"/>
               <a:t>Where N is the total</a:t>
             </a:r>
           </a:p>
@@ -14250,14 +13489,7 @@
               </a:buClr>
             </a:pPr>
             <a:r>
-              <a:rPr lang="en-GB" sz="2000" dirty="0">
-                <a:solidFill>
-                  <a:schemeClr val="tx1">
-                    <a:lumMod val="65000"/>
-                    <a:lumOff val="35000"/>
-                  </a:schemeClr>
-                </a:solidFill>
-              </a:rPr>
+              <a:rPr lang="en-GB" sz="2000" dirty="0"/>
               <a:t>w is the smaller of the (rows – 1) or (columns -1)</a:t>
             </a:r>
           </a:p>
@@ -14270,14 +13502,7 @@
                 <a:srgbClr val="2A196F"/>
               </a:buClr>
             </a:pPr>
-            <a:endParaRPr lang="en-GB" sz="2000" dirty="0">
-              <a:solidFill>
-                <a:schemeClr val="tx1">
-                  <a:lumMod val="65000"/>
-                  <a:lumOff val="35000"/>
-                </a:schemeClr>
-              </a:solidFill>
-            </a:endParaRPr>
+            <a:endParaRPr lang="en-GB" sz="2000" dirty="0"/>
           </a:p>
           <a:p>
             <a:pPr lvl="1">
@@ -14288,14 +13513,7 @@
                 <a:srgbClr val="2A196F"/>
               </a:buClr>
             </a:pPr>
-            <a:endParaRPr lang="en-GB" sz="2000" dirty="0">
-              <a:solidFill>
-                <a:schemeClr val="tx1">
-                  <a:lumMod val="65000"/>
-                  <a:lumOff val="35000"/>
-                </a:schemeClr>
-              </a:solidFill>
-            </a:endParaRPr>
+            <a:endParaRPr lang="en-GB" sz="2000" dirty="0"/>
           </a:p>
           <a:p>
             <a:pPr lvl="1">
@@ -14306,14 +13524,7 @@
                 <a:srgbClr val="2A196F"/>
               </a:buClr>
             </a:pPr>
-            <a:endParaRPr lang="en-GB" sz="2000" dirty="0">
-              <a:solidFill>
-                <a:schemeClr val="tx1">
-                  <a:lumMod val="65000"/>
-                  <a:lumOff val="35000"/>
-                </a:schemeClr>
-              </a:solidFill>
-            </a:endParaRPr>
+            <a:endParaRPr lang="en-GB" sz="2000" dirty="0"/>
           </a:p>
           <a:p>
             <a:pPr lvl="1">
@@ -14324,14 +13535,7 @@
                 <a:srgbClr val="2A196F"/>
               </a:buClr>
             </a:pPr>
-            <a:endParaRPr lang="en-GB" sz="2000" dirty="0">
-              <a:solidFill>
-                <a:schemeClr val="tx1">
-                  <a:lumMod val="65000"/>
-                  <a:lumOff val="35000"/>
-                </a:schemeClr>
-              </a:solidFill>
-            </a:endParaRPr>
+            <a:endParaRPr lang="en-GB" sz="2000" dirty="0"/>
           </a:p>
           <a:p>
             <a:pPr lvl="1">
@@ -14342,14 +13546,7 @@
                 <a:srgbClr val="2A196F"/>
               </a:buClr>
             </a:pPr>
-            <a:endParaRPr lang="en-GB" sz="2000" dirty="0">
-              <a:solidFill>
-                <a:schemeClr val="tx1">
-                  <a:lumMod val="65000"/>
-                  <a:lumOff val="35000"/>
-                </a:schemeClr>
-              </a:solidFill>
-            </a:endParaRPr>
+            <a:endParaRPr lang="en-GB" sz="2000" dirty="0"/>
           </a:p>
           <a:p>
             <a:pPr>
@@ -14360,14 +13557,7 @@
                 <a:srgbClr val="2A196F"/>
               </a:buClr>
             </a:pPr>
-            <a:endParaRPr lang="en-GB" sz="2400" dirty="0">
-              <a:solidFill>
-                <a:schemeClr val="tx1">
-                  <a:lumMod val="65000"/>
-                  <a:lumOff val="35000"/>
-                </a:schemeClr>
-              </a:solidFill>
-            </a:endParaRPr>
+            <a:endParaRPr lang="en-GB" sz="2400" dirty="0"/>
           </a:p>
           <a:p>
             <a:pPr>
@@ -14378,14 +13568,7 @@
                 <a:srgbClr val="2A196F"/>
               </a:buClr>
             </a:pPr>
-            <a:endParaRPr lang="en-GB" sz="2400" dirty="0">
-              <a:solidFill>
-                <a:schemeClr val="tx1">
-                  <a:lumMod val="65000"/>
-                  <a:lumOff val="35000"/>
-                </a:schemeClr>
-              </a:solidFill>
-            </a:endParaRPr>
+            <a:endParaRPr lang="en-GB" sz="2400" dirty="0"/>
           </a:p>
           <a:p>
             <a:pPr>
@@ -14396,14 +13579,7 @@
                 <a:srgbClr val="2A196F"/>
               </a:buClr>
             </a:pPr>
-            <a:endParaRPr lang="en-GB" sz="2400" dirty="0">
-              <a:solidFill>
-                <a:schemeClr val="tx1">
-                  <a:lumMod val="65000"/>
-                  <a:lumOff val="35000"/>
-                </a:schemeClr>
-              </a:solidFill>
-            </a:endParaRPr>
+            <a:endParaRPr lang="en-GB" sz="2400" dirty="0"/>
           </a:p>
           <a:p>
             <a:pPr>
@@ -14415,80 +13591,31 @@
               </a:buClr>
             </a:pPr>
             <a:r>
-              <a:rPr lang="en-GB" sz="2400" dirty="0">
-                <a:solidFill>
-                  <a:schemeClr val="tx1">
-                    <a:lumMod val="65000"/>
-                    <a:lumOff val="35000"/>
-                  </a:schemeClr>
-                </a:solidFill>
-              </a:rPr>
+              <a:rPr lang="en-GB" sz="2400" dirty="0"/>
               <a:t>Titanic: Chi</a:t>
             </a:r>
             <a:r>
-              <a:rPr lang="en-GB" sz="2400" baseline="30000" dirty="0">
-                <a:solidFill>
-                  <a:schemeClr val="tx1">
-                    <a:lumMod val="65000"/>
-                    <a:lumOff val="35000"/>
-                  </a:schemeClr>
-                </a:solidFill>
-              </a:rPr>
+              <a:rPr lang="en-GB" sz="2400" baseline="30000" dirty="0"/>
               <a:t>2</a:t>
             </a:r>
             <a:r>
-              <a:rPr lang="en-GB" sz="2400" dirty="0">
-                <a:solidFill>
-                  <a:schemeClr val="tx1">
-                    <a:lumMod val="65000"/>
-                    <a:lumOff val="35000"/>
-                  </a:schemeClr>
-                </a:solidFill>
-              </a:rPr>
+              <a:rPr lang="en-GB" sz="2400" dirty="0"/>
               <a:t> = 127.86		</a:t>
             </a:r>
             <a:r>
-              <a:rPr lang="en-GB" sz="2400" dirty="0" err="1">
-                <a:solidFill>
-                  <a:schemeClr val="tx1">
-                    <a:lumMod val="65000"/>
-                    <a:lumOff val="35000"/>
-                  </a:schemeClr>
-                </a:solidFill>
-              </a:rPr>
+              <a:rPr lang="en-GB" sz="2400" dirty="0" err="1"/>
               <a:t>Teenitinic</a:t>
             </a:r>
             <a:r>
-              <a:rPr lang="en-GB" sz="2400" dirty="0">
-                <a:solidFill>
-                  <a:schemeClr val="tx1">
-                    <a:lumMod val="65000"/>
-                    <a:lumOff val="35000"/>
-                  </a:schemeClr>
-                </a:solidFill>
-              </a:rPr>
+              <a:rPr lang="en-GB" sz="2400" dirty="0"/>
               <a:t>: Chi</a:t>
             </a:r>
             <a:r>
-              <a:rPr lang="en-GB" sz="2400" baseline="30000" dirty="0">
-                <a:solidFill>
-                  <a:schemeClr val="tx1">
-                    <a:lumMod val="65000"/>
-                    <a:lumOff val="35000"/>
-                  </a:schemeClr>
-                </a:solidFill>
-              </a:rPr>
+              <a:rPr lang="en-GB" sz="2400" baseline="30000" dirty="0"/>
               <a:t>2</a:t>
             </a:r>
             <a:r>
-              <a:rPr lang="en-GB" sz="2400" dirty="0">
-                <a:solidFill>
-                  <a:schemeClr val="tx1">
-                    <a:lumMod val="65000"/>
-                    <a:lumOff val="35000"/>
-                  </a:schemeClr>
-                </a:solidFill>
-              </a:rPr>
+              <a:rPr lang="en-GB" sz="2400" dirty="0"/>
               <a:t> = 64.92</a:t>
             </a:r>
           </a:p>
@@ -14502,14 +13629,7 @@
               </a:buClr>
             </a:pPr>
             <a:r>
-              <a:rPr lang="en-GB" sz="2400" dirty="0">
-                <a:solidFill>
-                  <a:schemeClr val="tx1">
-                    <a:lumMod val="65000"/>
-                    <a:lumOff val="35000"/>
-                  </a:schemeClr>
-                </a:solidFill>
-              </a:rPr>
+              <a:rPr lang="en-GB" sz="2400" dirty="0"/>
               <a:t>V = √ (127.68/(1309*1)) = .31	V = √ (64.92/(654*1)) = .32</a:t>
             </a:r>
           </a:p>
@@ -14745,14 +13865,7 @@
               </a:buClr>
             </a:pPr>
             <a:r>
-              <a:rPr lang="en-GB" sz="2400" dirty="0">
-                <a:solidFill>
-                  <a:schemeClr val="tx1">
-                    <a:lumMod val="65000"/>
-                    <a:lumOff val="35000"/>
-                  </a:schemeClr>
-                </a:solidFill>
-              </a:rPr>
+              <a:rPr lang="en-GB" sz="2400" dirty="0"/>
               <a:t>Cramer’s V adjusts for the number of observations</a:t>
             </a:r>
           </a:p>
@@ -14765,14 +13878,7 @@
                 <a:srgbClr val="2A196F"/>
               </a:buClr>
             </a:pPr>
-            <a:endParaRPr lang="en-GB" sz="2400" dirty="0">
-              <a:solidFill>
-                <a:schemeClr val="tx1">
-                  <a:lumMod val="65000"/>
-                  <a:lumOff val="35000"/>
-                </a:schemeClr>
-              </a:solidFill>
-            </a:endParaRPr>
+            <a:endParaRPr lang="en-GB" sz="2400" dirty="0"/>
           </a:p>
           <a:p>
             <a:pPr>
@@ -14784,14 +13890,7 @@
               </a:buClr>
             </a:pPr>
             <a:r>
-              <a:rPr lang="en-GB" sz="2400" dirty="0">
-                <a:solidFill>
-                  <a:schemeClr val="tx1">
-                    <a:lumMod val="65000"/>
-                    <a:lumOff val="35000"/>
-                  </a:schemeClr>
-                </a:solidFill>
-              </a:rPr>
+              <a:rPr lang="en-GB" sz="2400" dirty="0"/>
               <a:t>Cramer’s V is between 0 and 1</a:t>
             </a:r>
           </a:p>
@@ -14805,14 +13904,7 @@
               </a:buClr>
             </a:pPr>
             <a:r>
-              <a:rPr lang="en-GB" sz="2400" dirty="0">
-                <a:solidFill>
-                  <a:schemeClr val="tx1">
-                    <a:lumMod val="65000"/>
-                    <a:lumOff val="35000"/>
-                  </a:schemeClr>
-                </a:solidFill>
-              </a:rPr>
+              <a:rPr lang="en-GB" sz="2400" dirty="0"/>
               <a:t>A measure of the association between the row and column categories</a:t>
             </a:r>
           </a:p>
@@ -14826,14 +13918,7 @@
               </a:buClr>
             </a:pPr>
             <a:r>
-              <a:rPr lang="en-GB" sz="2400" dirty="0">
-                <a:solidFill>
-                  <a:schemeClr val="tx1">
-                    <a:lumMod val="65000"/>
-                    <a:lumOff val="35000"/>
-                  </a:schemeClr>
-                </a:solidFill>
-              </a:rPr>
+              <a:rPr lang="en-GB" sz="2400" dirty="0"/>
               <a:t>0 = no association</a:t>
             </a:r>
           </a:p>
@@ -14847,14 +13932,7 @@
               </a:buClr>
             </a:pPr>
             <a:r>
-              <a:rPr lang="en-GB" sz="2400" dirty="0">
-                <a:solidFill>
-                  <a:schemeClr val="tx1">
-                    <a:lumMod val="65000"/>
-                    <a:lumOff val="35000"/>
-                  </a:schemeClr>
-                </a:solidFill>
-              </a:rPr>
+              <a:rPr lang="en-GB" sz="2400" dirty="0"/>
               <a:t>1 = perfect association</a:t>
             </a:r>
           </a:p>
@@ -14868,14 +13946,7 @@
               </a:buClr>
             </a:pPr>
             <a:r>
-              <a:rPr lang="en-GB" sz="2400" dirty="0">
-                <a:solidFill>
-                  <a:schemeClr val="tx1">
-                    <a:lumMod val="65000"/>
-                    <a:lumOff val="35000"/>
-                  </a:schemeClr>
-                </a:solidFill>
-              </a:rPr>
+              <a:rPr lang="en-GB" sz="2400" dirty="0"/>
               <a:t>In between … relative strength (but not absolute)</a:t>
             </a:r>
           </a:p>
@@ -15212,21 +14283,33 @@
           <a:p>
             <a:pPr lvl="1"/>
             <a:r>
-              <a:rPr lang="en-GB" dirty="0"/>
+              <a:rPr lang="en-GB" dirty="0">
+                <a:solidFill>
+                  <a:schemeClr val="tx1"/>
+                </a:solidFill>
+              </a:rPr>
               <a:t>There is no pattern in the data</a:t>
             </a:r>
           </a:p>
           <a:p>
             <a:pPr lvl="1"/>
             <a:r>
-              <a:rPr lang="en-GB" dirty="0"/>
+              <a:rPr lang="en-GB" dirty="0">
+                <a:solidFill>
+                  <a:schemeClr val="tx1"/>
+                </a:solidFill>
+              </a:rPr>
               <a:t>There is a pattern but we can’t find it through the noise</a:t>
             </a:r>
           </a:p>
           <a:p>
             <a:pPr lvl="1"/>
             <a:r>
-              <a:rPr lang="en-GB" b="1" i="1" dirty="0"/>
+              <a:rPr lang="en-GB" b="1" i="1" dirty="0">
+                <a:solidFill>
+                  <a:schemeClr val="tx1"/>
+                </a:solidFill>
+              </a:rPr>
               <a:t>A statistical test cannot decide between these alternatives</a:t>
             </a:r>
           </a:p>
@@ -15341,7 +14424,11 @@
           <a:p>
             <a:pPr lvl="1"/>
             <a:r>
-              <a:rPr lang="en-GB" dirty="0"/>
+              <a:rPr lang="en-GB" dirty="0">
+                <a:solidFill>
+                  <a:schemeClr val="tx1"/>
+                </a:solidFill>
+              </a:rPr>
               <a:t>Too costly in time, money, etc.</a:t>
             </a:r>
           </a:p>
@@ -15616,7 +14703,7 @@
                 </a:solidFill>
                 <a:latin typeface="-apple-system"/>
               </a:rPr>
-              <a:t>Statistical tests seek to determine the probability of finding a difference you found (or larger) in the same </a:t>
+              <a:t>Statistical tests seek to determine the probability of finding a difference in your </a:t>
             </a:r>
             <a:r>
               <a:rPr lang="en-GB" i="1" dirty="0">
@@ -15644,6 +14731,18 @@
                 <a:latin typeface="-apple-system"/>
               </a:rPr>
               <a:t>population</a:t>
+            </a:r>
+          </a:p>
+          <a:p>
+            <a:pPr lvl="1"/>
+            <a:r>
+              <a:rPr lang="en-GB" i="1" dirty="0">
+                <a:solidFill>
+                  <a:srgbClr val="212529"/>
+                </a:solidFill>
+                <a:latin typeface="-apple-system"/>
+              </a:rPr>
+              <a:t>If no real effect exists, what are the chances that I would detect an effect in my sample?</a:t>
             </a:r>
             <a:endParaRPr lang="en-GB" b="0" i="1" dirty="0">
               <a:solidFill>
@@ -15788,7 +14887,23 @@
                   <a:schemeClr val="tx1"/>
                 </a:solidFill>
               </a:rPr>
-              <a:t>Hypothesis should be worded so that it can be tested and must include both independent and dependent variables</a:t>
+              <a:t>Hypothesis </a:t>
+            </a:r>
+            <a:r>
+              <a:rPr lang="en-GB" b="1" dirty="0">
+                <a:solidFill>
+                  <a:schemeClr val="tx1"/>
+                </a:solidFill>
+              </a:rPr>
+              <a:t>must</a:t>
+            </a:r>
+            <a:r>
+              <a:rPr lang="en-GB" dirty="0">
+                <a:solidFill>
+                  <a:schemeClr val="tx1"/>
+                </a:solidFill>
+              </a:rPr>
+              <a:t> be worded so that it can be tested and must include both independent and dependent variables</a:t>
             </a:r>
           </a:p>
           <a:p>
